--- a/python/language/structure/structure.pptx
+++ b/python/language/structure/structure.pptx
@@ -6,17 +6,12 @@
     <p:sldMasterId id="2147483660" r:id="rId2"/>
   </p:sldMasterIdLst>
   <p:notesMasterIdLst>
-    <p:notesMasterId r:id="rId11"/>
+    <p:notesMasterId r:id="rId6"/>
   </p:notesMasterIdLst>
   <p:sldIdLst>
     <p:sldId id="391" r:id="rId3"/>
-    <p:sldId id="392" r:id="rId4"/>
-    <p:sldId id="393" r:id="rId5"/>
-    <p:sldId id="394" r:id="rId6"/>
-    <p:sldId id="395" r:id="rId7"/>
-    <p:sldId id="396" r:id="rId8"/>
-    <p:sldId id="397" r:id="rId9"/>
-    <p:sldId id="377" r:id="rId10"/>
+    <p:sldId id="398" r:id="rId4"/>
+    <p:sldId id="377" r:id="rId5"/>
   </p:sldIdLst>
   <p:sldSz cx="12192000" cy="6858000"/>
   <p:notesSz cx="6858000" cy="9144000"/>
@@ -208,7 +203,7 @@
           <a:p>
             <a:fld id="{013D7D23-95FE-4191-B08D-3CBB1E1CEEFE}" type="datetimeFigureOut">
               <a:rPr lang="pt-PT" smtClean="0"/>
-              <a:t>25/01/2024</a:t>
+              <a:t>31/01/2024</a:t>
             </a:fld>
             <a:endParaRPr lang="pt-PT" dirty="0"/>
           </a:p>
@@ -607,7 +602,7 @@
           <a:p>
             <a:fld id="{5C0ED97C-8255-4BAC-9D42-1F6A6651E287}" type="datetime1">
               <a:rPr lang="pt-PT" smtClean="0"/>
-              <a:t>25/01/2024</a:t>
+              <a:t>31/01/2024</a:t>
             </a:fld>
             <a:endParaRPr lang="pt-PT" dirty="0"/>
           </a:p>
@@ -777,7 +772,7 @@
           <a:p>
             <a:fld id="{4FCC8996-E467-4FE1-B165-4002860D0AC7}" type="datetime1">
               <a:rPr lang="pt-PT" smtClean="0"/>
-              <a:t>25/01/2024</a:t>
+              <a:t>31/01/2024</a:t>
             </a:fld>
             <a:endParaRPr lang="pt-PT" dirty="0"/>
           </a:p>
@@ -957,7 +952,7 @@
           <a:p>
             <a:fld id="{C104532E-E792-4BF5-B399-9E5E16070233}" type="datetime1">
               <a:rPr lang="pt-PT" smtClean="0"/>
-              <a:t>25/01/2024</a:t>
+              <a:t>31/01/2024</a:t>
             </a:fld>
             <a:endParaRPr lang="pt-PT" dirty="0"/>
           </a:p>
@@ -1167,7 +1162,7 @@
           <a:p>
             <a:fld id="{FF4AF87E-A15D-4480-B791-15D75F8AF848}" type="datetimeFigureOut">
               <a:rPr lang="pt-PT" smtClean="0"/>
-              <a:t>25/01/2024</a:t>
+              <a:t>31/01/2024</a:t>
             </a:fld>
             <a:endParaRPr lang="pt-PT"/>
           </a:p>
@@ -1367,7 +1362,7 @@
           <a:p>
             <a:fld id="{FF4AF87E-A15D-4480-B791-15D75F8AF848}" type="datetimeFigureOut">
               <a:rPr lang="pt-PT" smtClean="0"/>
-              <a:t>25/01/2024</a:t>
+              <a:t>31/01/2024</a:t>
             </a:fld>
             <a:endParaRPr lang="pt-PT"/>
           </a:p>
@@ -1643,7 +1638,7 @@
           <a:p>
             <a:fld id="{FF4AF87E-A15D-4480-B791-15D75F8AF848}" type="datetimeFigureOut">
               <a:rPr lang="pt-PT" smtClean="0"/>
-              <a:t>25/01/2024</a:t>
+              <a:t>31/01/2024</a:t>
             </a:fld>
             <a:endParaRPr lang="pt-PT"/>
           </a:p>
@@ -1911,7 +1906,7 @@
           <a:p>
             <a:fld id="{FF4AF87E-A15D-4480-B791-15D75F8AF848}" type="datetimeFigureOut">
               <a:rPr lang="pt-PT" smtClean="0"/>
-              <a:t>25/01/2024</a:t>
+              <a:t>31/01/2024</a:t>
             </a:fld>
             <a:endParaRPr lang="pt-PT"/>
           </a:p>
@@ -2326,7 +2321,7 @@
           <a:p>
             <a:fld id="{FF4AF87E-A15D-4480-B791-15D75F8AF848}" type="datetimeFigureOut">
               <a:rPr lang="pt-PT" smtClean="0"/>
-              <a:t>25/01/2024</a:t>
+              <a:t>31/01/2024</a:t>
             </a:fld>
             <a:endParaRPr lang="pt-PT"/>
           </a:p>
@@ -2468,7 +2463,7 @@
           <a:p>
             <a:fld id="{FF4AF87E-A15D-4480-B791-15D75F8AF848}" type="datetimeFigureOut">
               <a:rPr lang="pt-PT" smtClean="0"/>
-              <a:t>25/01/2024</a:t>
+              <a:t>31/01/2024</a:t>
             </a:fld>
             <a:endParaRPr lang="pt-PT"/>
           </a:p>
@@ -2581,7 +2576,7 @@
           <a:p>
             <a:fld id="{FF4AF87E-A15D-4480-B791-15D75F8AF848}" type="datetimeFigureOut">
               <a:rPr lang="pt-PT" smtClean="0"/>
-              <a:t>25/01/2024</a:t>
+              <a:t>31/01/2024</a:t>
             </a:fld>
             <a:endParaRPr lang="pt-PT"/>
           </a:p>
@@ -2894,7 +2889,7 @@
           <a:p>
             <a:fld id="{FF4AF87E-A15D-4480-B791-15D75F8AF848}" type="datetimeFigureOut">
               <a:rPr lang="pt-PT" smtClean="0"/>
-              <a:t>25/01/2024</a:t>
+              <a:t>31/01/2024</a:t>
             </a:fld>
             <a:endParaRPr lang="pt-PT"/>
           </a:p>
@@ -3076,7 +3071,7 @@
           <a:p>
             <a:fld id="{5FC36660-F7C2-4C37-BD61-E2E985519A54}" type="datetime1">
               <a:rPr lang="pt-PT" smtClean="0"/>
-              <a:t>25/01/2024</a:t>
+              <a:t>31/01/2024</a:t>
             </a:fld>
             <a:endParaRPr lang="pt-PT" dirty="0"/>
           </a:p>
@@ -3353,7 +3348,7 @@
           <a:p>
             <a:fld id="{FF4AF87E-A15D-4480-B791-15D75F8AF848}" type="datetimeFigureOut">
               <a:rPr lang="pt-PT" smtClean="0"/>
-              <a:t>25/01/2024</a:t>
+              <a:t>31/01/2024</a:t>
             </a:fld>
             <a:endParaRPr lang="pt-PT"/>
           </a:p>
@@ -3553,7 +3548,7 @@
           <a:p>
             <a:fld id="{FF4AF87E-A15D-4480-B791-15D75F8AF848}" type="datetimeFigureOut">
               <a:rPr lang="pt-PT" smtClean="0"/>
-              <a:t>25/01/2024</a:t>
+              <a:t>31/01/2024</a:t>
             </a:fld>
             <a:endParaRPr lang="pt-PT"/>
           </a:p>
@@ -3763,7 +3758,7 @@
           <a:p>
             <a:fld id="{FF4AF87E-A15D-4480-B791-15D75F8AF848}" type="datetimeFigureOut">
               <a:rPr lang="pt-PT" smtClean="0"/>
-              <a:t>25/01/2024</a:t>
+              <a:t>31/01/2024</a:t>
             </a:fld>
             <a:endParaRPr lang="pt-PT"/>
           </a:p>
@@ -4021,7 +4016,7 @@
           <a:p>
             <a:fld id="{EC1C553A-1723-4842-A3DB-E76BD21F5C6D}" type="datetime1">
               <a:rPr lang="pt-PT" smtClean="0"/>
-              <a:t>25/01/2024</a:t>
+              <a:t>31/01/2024</a:t>
             </a:fld>
             <a:endParaRPr lang="pt-PT" dirty="0"/>
           </a:p>
@@ -4253,7 +4248,7 @@
           <a:p>
             <a:fld id="{CE9B351E-3840-4886-B007-BC84D7C14686}" type="datetime1">
               <a:rPr lang="pt-PT" smtClean="0"/>
-              <a:t>25/01/2024</a:t>
+              <a:t>31/01/2024</a:t>
             </a:fld>
             <a:endParaRPr lang="pt-PT" dirty="0"/>
           </a:p>
@@ -4620,7 +4615,7 @@
           <a:p>
             <a:fld id="{C8686839-F4ED-436E-9AC9-AC7A0A0CD179}" type="datetime1">
               <a:rPr lang="pt-PT" smtClean="0"/>
-              <a:t>25/01/2024</a:t>
+              <a:t>31/01/2024</a:t>
             </a:fld>
             <a:endParaRPr lang="pt-PT" dirty="0"/>
           </a:p>
@@ -4738,7 +4733,7 @@
           <a:p>
             <a:fld id="{2AB82247-1A7C-4F98-8F33-5E4D07EFBF12}" type="datetime1">
               <a:rPr lang="pt-PT" smtClean="0"/>
-              <a:t>25/01/2024</a:t>
+              <a:t>31/01/2024</a:t>
             </a:fld>
             <a:endParaRPr lang="pt-PT" dirty="0"/>
           </a:p>
@@ -4833,7 +4828,7 @@
           <a:p>
             <a:fld id="{AFE320DE-3391-4A27-9653-F2BD505B9A08}" type="datetime1">
               <a:rPr lang="pt-PT" smtClean="0"/>
-              <a:t>25/01/2024</a:t>
+              <a:t>31/01/2024</a:t>
             </a:fld>
             <a:endParaRPr lang="pt-PT" dirty="0"/>
           </a:p>
@@ -5110,7 +5105,7 @@
           <a:p>
             <a:fld id="{E69250C8-88B2-4209-BD56-05813AC521DC}" type="datetime1">
               <a:rPr lang="pt-PT" smtClean="0"/>
-              <a:t>25/01/2024</a:t>
+              <a:t>31/01/2024</a:t>
             </a:fld>
             <a:endParaRPr lang="pt-PT" dirty="0"/>
           </a:p>
@@ -5363,7 +5358,7 @@
           <a:p>
             <a:fld id="{0B847055-2F12-42A4-9432-334276564B1D}" type="datetime1">
               <a:rPr lang="pt-PT" smtClean="0"/>
-              <a:t>25/01/2024</a:t>
+              <a:t>31/01/2024</a:t>
             </a:fld>
             <a:endParaRPr lang="pt-PT" dirty="0"/>
           </a:p>
@@ -5576,7 +5571,7 @@
           <a:p>
             <a:fld id="{B0883CD8-EC5B-4369-8F97-BE1E84F10887}" type="datetime1">
               <a:rPr lang="pt-PT" smtClean="0"/>
-              <a:t>25/01/2024</a:t>
+              <a:t>31/01/2024</a:t>
             </a:fld>
             <a:endParaRPr lang="pt-PT" dirty="0"/>
           </a:p>
@@ -6135,7 +6130,7 @@
           <a:p>
             <a:fld id="{FF4AF87E-A15D-4480-B791-15D75F8AF848}" type="datetimeFigureOut">
               <a:rPr lang="pt-PT" smtClean="0"/>
-              <a:t>25/01/2024</a:t>
+              <a:t>31/01/2024</a:t>
             </a:fld>
             <a:endParaRPr lang="pt-PT"/>
           </a:p>
@@ -6745,9 +6740,9 @@
         <p:grpSpPr>
           <a:xfrm>
             <a:off x="10622267" y="123804"/>
-            <a:ext cx="1244698" cy="283293"/>
+            <a:ext cx="1252713" cy="283293"/>
             <a:chOff x="5611636" y="5954426"/>
-            <a:chExt cx="1244699" cy="283293"/>
+            <a:chExt cx="1252714" cy="283293"/>
           </a:xfrm>
         </p:grpSpPr>
         <p:pic>
@@ -6801,7 +6796,7 @@
           <p:spPr>
             <a:xfrm>
               <a:off x="6107411" y="5954426"/>
-              <a:ext cx="748924" cy="276999"/>
+              <a:ext cx="756939" cy="276999"/>
             </a:xfrm>
             <a:prstGeom prst="rect">
               <a:avLst/>
@@ -6860,12 +6855,220 @@
           </p:txBody>
         </p:sp>
       </p:grpSp>
+    </p:spTree>
+    <p:extLst>
+      <p:ext uri="{BB962C8B-B14F-4D97-AF65-F5344CB8AC3E}">
+        <p14:creationId xmlns:p14="http://schemas.microsoft.com/office/powerpoint/2010/main" val="3643588437"/>
+      </p:ext>
+    </p:extLst>
+  </p:cSld>
+  <p:clrMapOvr>
+    <a:masterClrMapping/>
+  </p:clrMapOvr>
+</p:sld>
+</file>
+
+<file path=ppt/slides/slide2.xml><?xml version="1.0" encoding="utf-8"?>
+<p:sld xmlns:a="http://schemas.openxmlformats.org/drawingml/2006/main" xmlns:r="http://schemas.openxmlformats.org/officeDocument/2006/relationships" xmlns:p="http://schemas.openxmlformats.org/presentationml/2006/main">
+  <p:cSld>
+    <p:bg>
+      <p:bgPr>
+        <a:solidFill>
+          <a:schemeClr val="tx1"/>
+        </a:solidFill>
+        <a:effectLst/>
+      </p:bgPr>
+    </p:bg>
+    <p:spTree>
+      <p:nvGrpSpPr>
+        <p:cNvPr id="1" name=""/>
+        <p:cNvGrpSpPr/>
+        <p:nvPr/>
+      </p:nvGrpSpPr>
+      <p:grpSpPr>
+        <a:xfrm>
+          <a:off x="0" y="0"/>
+          <a:ext cx="0" cy="0"/>
+          <a:chOff x="0" y="0"/>
+          <a:chExt cx="0" cy="0"/>
+        </a:xfrm>
+      </p:grpSpPr>
+      <p:sp>
+        <p:nvSpPr>
+          <p:cNvPr id="2" name="Title 1">
+            <a:extLst>
+              <a:ext uri="{FF2B5EF4-FFF2-40B4-BE49-F238E27FC236}">
+                <a16:creationId xmlns:a16="http://schemas.microsoft.com/office/drawing/2014/main" id="{54C7F764-8D4D-421D-979F-2C7A67DE064B}"/>
+              </a:ext>
+            </a:extLst>
+          </p:cNvPr>
+          <p:cNvSpPr>
+            <a:spLocks noGrp="1"/>
+          </p:cNvSpPr>
+          <p:nvPr>
+            <p:ph type="ctrTitle"/>
+          </p:nvPr>
+        </p:nvSpPr>
+        <p:spPr>
+          <a:xfrm>
+            <a:off x="145062" y="123804"/>
+            <a:ext cx="987193" cy="369332"/>
+          </a:xfrm>
+          <a:gradFill>
+            <a:gsLst>
+              <a:gs pos="0">
+                <a:schemeClr val="accent1">
+                  <a:lumMod val="5000"/>
+                  <a:lumOff val="95000"/>
+                </a:schemeClr>
+              </a:gs>
+              <a:gs pos="74000">
+                <a:schemeClr val="accent1">
+                  <a:lumMod val="45000"/>
+                  <a:lumOff val="55000"/>
+                </a:schemeClr>
+              </a:gs>
+              <a:gs pos="83000">
+                <a:schemeClr val="accent1">
+                  <a:lumMod val="45000"/>
+                  <a:lumOff val="55000"/>
+                </a:schemeClr>
+              </a:gs>
+              <a:gs pos="100000">
+                <a:schemeClr val="accent1">
+                  <a:lumMod val="30000"/>
+                  <a:lumOff val="70000"/>
+                </a:schemeClr>
+              </a:gs>
+            </a:gsLst>
+            <a:lin ang="5400000" scaled="1"/>
+          </a:gradFill>
+          <a:ln w="25400">
+            <a:solidFill>
+              <a:schemeClr val="accent1"/>
+            </a:solidFill>
+          </a:ln>
+        </p:spPr>
+        <p:txBody>
+          <a:bodyPr vert="horz" wrap="none" lIns="91440" tIns="45720" rIns="91440" bIns="45720" rtlCol="0" anchor="t">
+            <a:spAutoFit/>
+          </a:bodyPr>
+          <a:lstStyle/>
+          <a:p>
+            <a:pPr algn="l"/>
+            <a:r>
+              <a:rPr lang="en-US" sz="2000" dirty="0">
+                <a:solidFill>
+                  <a:schemeClr val="bg2">
+                    <a:lumMod val="25000"/>
+                  </a:schemeClr>
+                </a:solidFill>
+                <a:sym typeface="Wingdings" panose="05000000000000000000" pitchFamily="2" charset="2"/>
+              </a:rPr>
+              <a:t>2. index</a:t>
+            </a:r>
+            <a:endParaRPr lang="en-US" sz="2000" dirty="0">
+              <a:solidFill>
+                <a:schemeClr val="bg2">
+                  <a:lumMod val="25000"/>
+                </a:schemeClr>
+              </a:solidFill>
+            </a:endParaRPr>
+          </a:p>
+        </p:txBody>
+      </p:sp>
+      <p:sp>
+        <p:nvSpPr>
+          <p:cNvPr id="5" name="Rectangle 4">
+            <a:extLst>
+              <a:ext uri="{FF2B5EF4-FFF2-40B4-BE49-F238E27FC236}">
+                <a16:creationId xmlns:a16="http://schemas.microsoft.com/office/drawing/2014/main" id="{D45E34D6-120F-44F6-96A2-17230046C2F4}"/>
+              </a:ext>
+            </a:extLst>
+          </p:cNvPr>
+          <p:cNvSpPr/>
+          <p:nvPr/>
+        </p:nvSpPr>
+        <p:spPr>
+          <a:xfrm>
+            <a:off x="145062" y="633528"/>
+            <a:ext cx="207692" cy="6048000"/>
+          </a:xfrm>
+          <a:prstGeom prst="rect">
+            <a:avLst/>
+          </a:prstGeom>
+          <a:solidFill>
+            <a:schemeClr val="tx1"/>
+          </a:solidFill>
+          <a:ln w="25400"/>
+          <a:effectLst>
+            <a:outerShdw blurRad="50800" dist="63500" dir="2700000" algn="tl" rotWithShape="0">
+              <a:schemeClr val="bg1">
+                <a:alpha val="40000"/>
+              </a:schemeClr>
+            </a:outerShdw>
+          </a:effectLst>
+        </p:spPr>
+        <p:style>
+          <a:lnRef idx="2">
+            <a:schemeClr val="accent1">
+              <a:shade val="50000"/>
+            </a:schemeClr>
+          </a:lnRef>
+          <a:fillRef idx="1">
+            <a:schemeClr val="accent1"/>
+          </a:fillRef>
+          <a:effectRef idx="0">
+            <a:schemeClr val="accent1"/>
+          </a:effectRef>
+          <a:fontRef idx="minor">
+            <a:schemeClr val="lt1"/>
+          </a:fontRef>
+        </p:style>
+        <p:txBody>
+          <a:bodyPr rtlCol="0" anchor="ctr"/>
+          <a:lstStyle/>
+          <a:p>
+            <a:pPr marL="0" marR="0" lvl="0" indent="0" algn="ctr" defTabSz="914400" rtl="0" eaLnBrk="1" fontAlgn="auto" latinLnBrk="0" hangingPunct="1">
+              <a:lnSpc>
+                <a:spcPct val="100000"/>
+              </a:lnSpc>
+              <a:spcBef>
+                <a:spcPts val="0"/>
+              </a:spcBef>
+              <a:spcAft>
+                <a:spcPts val="0"/>
+              </a:spcAft>
+              <a:buClrTx/>
+              <a:buSzTx/>
+              <a:buFontTx/>
+              <a:buNone/>
+              <a:tabLst/>
+              <a:defRPr/>
+            </a:pPr>
+            <a:endParaRPr kumimoji="0" lang="pt-PT" sz="1800" b="0" i="0" u="none" strike="noStrike" kern="1200" cap="none" spc="0" normalizeH="0" baseline="0" noProof="0">
+              <a:ln>
+                <a:noFill/>
+              </a:ln>
+              <a:solidFill>
+                <a:prstClr val="white"/>
+              </a:solidFill>
+              <a:effectLst/>
+              <a:uLnTx/>
+              <a:uFillTx/>
+              <a:latin typeface="Calibri" panose="020F0502020204030204"/>
+              <a:ea typeface="+mn-ea"/>
+              <a:cs typeface="+mn-cs"/>
+            </a:endParaRPr>
+          </a:p>
+        </p:txBody>
+      </p:sp>
       <p:grpSp>
         <p:nvGrpSpPr>
-          <p:cNvPr id="19" name="Group 18">
+          <p:cNvPr id="10" name="Group 9">
             <a:extLst>
               <a:ext uri="{FF2B5EF4-FFF2-40B4-BE49-F238E27FC236}">
-                <a16:creationId xmlns:a16="http://schemas.microsoft.com/office/drawing/2014/main" id="{CE7CBF65-9760-47C0-8FB4-3CB34FA18B02}"/>
+                <a16:creationId xmlns:a16="http://schemas.microsoft.com/office/drawing/2014/main" id="{F80F6E72-582B-4565-851D-DF07751A5F57}"/>
               </a:ext>
             </a:extLst>
           </p:cNvPr>
@@ -6874,18 +7077,18 @@
         </p:nvGrpSpPr>
         <p:grpSpPr>
           <a:xfrm>
-            <a:off x="10622267" y="477455"/>
-            <a:ext cx="1122870" cy="283293"/>
+            <a:off x="248907" y="754454"/>
+            <a:ext cx="1219049" cy="283293"/>
             <a:chOff x="5611636" y="5954426"/>
-            <a:chExt cx="1122871" cy="283293"/>
+            <a:chExt cx="1219050" cy="283293"/>
           </a:xfrm>
         </p:grpSpPr>
         <p:pic>
           <p:nvPicPr>
-            <p:cNvPr id="20" name="Picture 19" descr="Icon&#10;&#10;Description automatically generated">
+            <p:cNvPr id="11" name="Picture 10" descr="Icon&#10;&#10;Description automatically generated">
               <a:extLst>
                 <a:ext uri="{FF2B5EF4-FFF2-40B4-BE49-F238E27FC236}">
-                  <a16:creationId xmlns:a16="http://schemas.microsoft.com/office/drawing/2014/main" id="{E6116C8F-AF8E-41E4-9E21-EA3D7DEDA969}"/>
+                  <a16:creationId xmlns:a16="http://schemas.microsoft.com/office/drawing/2014/main" id="{3ED16E3B-2AFB-4360-80B2-650A8A4A0AFC}"/>
                 </a:ext>
               </a:extLst>
             </p:cNvPr>
@@ -6918,10 +7121,10 @@
         </p:pic>
         <p:sp>
           <p:nvSpPr>
-            <p:cNvPr id="21" name="Retângulo 5">
+            <p:cNvPr id="12" name="Retângulo 5">
               <a:extLst>
                 <a:ext uri="{FF2B5EF4-FFF2-40B4-BE49-F238E27FC236}">
-                  <a16:creationId xmlns:a16="http://schemas.microsoft.com/office/drawing/2014/main" id="{7E08C557-B427-4683-A5D0-6C50B472BFFF}"/>
+                  <a16:creationId xmlns:a16="http://schemas.microsoft.com/office/drawing/2014/main" id="{4E7BD734-4FB9-4904-88F1-E1210F169BB9}"/>
                 </a:ext>
               </a:extLst>
             </p:cNvPr>
@@ -6931,7 +7134,137 @@
           <p:spPr>
             <a:xfrm>
               <a:off x="6107411" y="5954426"/>
-              <a:ext cx="627096" cy="276999"/>
+              <a:ext cx="723275" cy="276999"/>
+            </a:xfrm>
+            <a:prstGeom prst="rect">
+              <a:avLst/>
+            </a:prstGeom>
+          </p:spPr>
+          <p:txBody>
+            <a:bodyPr wrap="none">
+              <a:spAutoFit/>
+            </a:bodyPr>
+            <a:lstStyle/>
+            <a:p>
+              <a:pPr marL="0" marR="0" lvl="0" indent="0" defTabSz="914369" eaLnBrk="1" fontAlgn="auto" latinLnBrk="0" hangingPunct="1">
+                <a:lnSpc>
+                  <a:spcPct val="100000"/>
+                </a:lnSpc>
+                <a:spcBef>
+                  <a:spcPts val="0"/>
+                </a:spcBef>
+                <a:spcAft>
+                  <a:spcPts val="0"/>
+                </a:spcAft>
+                <a:buClrTx/>
+                <a:buSzTx/>
+                <a:buFontTx/>
+                <a:buNone/>
+                <a:tabLst/>
+                <a:defRPr/>
+              </a:pPr>
+              <a:r>
+                <a:rPr kumimoji="0" lang="en-US" sz="1200" b="0" i="0" u="none" strike="noStrike" kern="0" cap="none" spc="0" normalizeH="0" baseline="0" noProof="0" dirty="0">
+                  <a:ln>
+                    <a:noFill/>
+                  </a:ln>
+                  <a:solidFill>
+                    <a:prstClr val="black"/>
+                  </a:solidFill>
+                  <a:effectLst/>
+                  <a:uLnTx/>
+                  <a:uFillTx/>
+                  <a:hlinkClick r:id="rId3" action="ppaction://hlinkpres?slideindex=1&amp;slidetitle="/>
+                </a:rPr>
+                <a:t>modules</a:t>
+              </a:r>
+              <a:endParaRPr kumimoji="0" lang="en-US" sz="1200" b="0" i="0" u="none" strike="noStrike" kern="0" cap="none" spc="0" normalizeH="0" baseline="0" noProof="0" dirty="0">
+                <a:ln>
+                  <a:noFill/>
+                </a:ln>
+                <a:solidFill>
+                  <a:prstClr val="black"/>
+                </a:solidFill>
+                <a:effectLst/>
+                <a:uLnTx/>
+                <a:uFillTx/>
+              </a:endParaRPr>
+            </a:p>
+          </p:txBody>
+        </p:sp>
+      </p:grpSp>
+      <p:grpSp>
+        <p:nvGrpSpPr>
+          <p:cNvPr id="13" name="Group 12">
+            <a:extLst>
+              <a:ext uri="{FF2B5EF4-FFF2-40B4-BE49-F238E27FC236}">
+                <a16:creationId xmlns:a16="http://schemas.microsoft.com/office/drawing/2014/main" id="{675621D6-8915-4985-AD4E-C4ADEF1006C1}"/>
+              </a:ext>
+            </a:extLst>
+          </p:cNvPr>
+          <p:cNvGrpSpPr/>
+          <p:nvPr/>
+        </p:nvGrpSpPr>
+        <p:grpSpPr>
+          <a:xfrm>
+            <a:off x="248907" y="1151124"/>
+            <a:ext cx="1254316" cy="283293"/>
+            <a:chOff x="5611636" y="5954426"/>
+            <a:chExt cx="1254317" cy="283293"/>
+          </a:xfrm>
+        </p:grpSpPr>
+        <p:pic>
+          <p:nvPicPr>
+            <p:cNvPr id="14" name="Picture 13" descr="Icon&#10;&#10;Description automatically generated">
+              <a:extLst>
+                <a:ext uri="{FF2B5EF4-FFF2-40B4-BE49-F238E27FC236}">
+                  <a16:creationId xmlns:a16="http://schemas.microsoft.com/office/drawing/2014/main" id="{DB280D62-A101-4952-AA9A-6DA331AAA4F3}"/>
+                </a:ext>
+              </a:extLst>
+            </p:cNvPr>
+            <p:cNvPicPr>
+              <a:picLocks noChangeAspect="1"/>
+            </p:cNvPicPr>
+            <p:nvPr/>
+          </p:nvPicPr>
+          <p:blipFill>
+            <a:blip r:embed="rId2" cstate="print">
+              <a:extLst>
+                <a:ext uri="{28A0092B-C50C-407E-A947-70E740481C1C}">
+                  <a14:useLocalDpi xmlns:a14="http://schemas.microsoft.com/office/drawing/2010/main" val="0"/>
+                </a:ext>
+              </a:extLst>
+            </a:blip>
+            <a:stretch>
+              <a:fillRect/>
+            </a:stretch>
+          </p:blipFill>
+          <p:spPr>
+            <a:xfrm flipH="1">
+              <a:off x="5611636" y="5973306"/>
+              <a:ext cx="495775" cy="264413"/>
+            </a:xfrm>
+            <a:prstGeom prst="rect">
+              <a:avLst/>
+            </a:prstGeom>
+          </p:spPr>
+        </p:pic>
+        <p:sp>
+          <p:nvSpPr>
+            <p:cNvPr id="15" name="Retângulo 5">
+              <a:extLst>
+                <a:ext uri="{FF2B5EF4-FFF2-40B4-BE49-F238E27FC236}">
+                  <a16:creationId xmlns:a16="http://schemas.microsoft.com/office/drawing/2014/main" id="{D78B4659-D26F-494C-A3AF-47D555E81F1C}"/>
+                </a:ext>
+              </a:extLst>
+            </p:cNvPr>
+            <p:cNvSpPr/>
+            <p:nvPr/>
+          </p:nvSpPr>
+          <p:spPr>
+            <a:xfrm>
+              <a:off x="6107411" y="5954426"/>
+              <a:ext cx="758542" cy="276999"/>
             </a:xfrm>
             <a:prstGeom prst="rect">
               <a:avLst/>
@@ -6973,7 +7306,7 @@
                   <a:uFillTx/>
                   <a:hlinkClick r:id="rId4" action="ppaction://hlinkpres?slideindex=1&amp;slidetitle="/>
                 </a:rPr>
-                <a:t>python</a:t>
+                <a:t>packages</a:t>
               </a:r>
               <a:endParaRPr kumimoji="0" lang="en-US" sz="1200" b="0" i="0" u="none" strike="noStrike" kern="0" cap="none" spc="0" normalizeH="0" baseline="0" noProof="0" dirty="0">
                 <a:ln>
@@ -6993,890 +7326,7 @@
     </p:spTree>
     <p:extLst>
       <p:ext uri="{BB962C8B-B14F-4D97-AF65-F5344CB8AC3E}">
-        <p14:creationId xmlns:p14="http://schemas.microsoft.com/office/powerpoint/2010/main" val="3643588437"/>
-      </p:ext>
-    </p:extLst>
-  </p:cSld>
-  <p:clrMapOvr>
-    <a:masterClrMapping/>
-  </p:clrMapOvr>
-</p:sld>
-</file>
-
-<file path=ppt/slides/slide2.xml><?xml version="1.0" encoding="utf-8"?>
-<p:sld xmlns:a="http://schemas.openxmlformats.org/drawingml/2006/main" xmlns:r="http://schemas.openxmlformats.org/officeDocument/2006/relationships" xmlns:p="http://schemas.openxmlformats.org/presentationml/2006/main">
-  <p:cSld>
-    <p:bg>
-      <p:bgPr>
-        <a:solidFill>
-          <a:schemeClr val="tx1"/>
-        </a:solidFill>
-        <a:effectLst/>
-      </p:bgPr>
-    </p:bg>
-    <p:spTree>
-      <p:nvGrpSpPr>
-        <p:cNvPr id="1" name=""/>
-        <p:cNvGrpSpPr/>
-        <p:nvPr/>
-      </p:nvGrpSpPr>
-      <p:grpSpPr>
-        <a:xfrm>
-          <a:off x="0" y="0"/>
-          <a:ext cx="0" cy="0"/>
-          <a:chOff x="0" y="0"/>
-          <a:chExt cx="0" cy="0"/>
-        </a:xfrm>
-      </p:grpSpPr>
-      <p:pic>
-        <p:nvPicPr>
-          <p:cNvPr id="4" name="Picture 3">
-            <a:extLst>
-              <a:ext uri="{FF2B5EF4-FFF2-40B4-BE49-F238E27FC236}">
-                <a16:creationId xmlns:a16="http://schemas.microsoft.com/office/drawing/2014/main" id="{20AB62E3-9907-41C9-B6A6-6A4A7EC66F12}"/>
-              </a:ext>
-            </a:extLst>
-          </p:cNvPr>
-          <p:cNvPicPr>
-            <a:picLocks noChangeAspect="1"/>
-          </p:cNvPicPr>
-          <p:nvPr/>
-        </p:nvPicPr>
-        <p:blipFill>
-          <a:blip r:embed="rId2"/>
-          <a:stretch>
-            <a:fillRect/>
-          </a:stretch>
-        </p:blipFill>
-        <p:spPr>
-          <a:xfrm>
-            <a:off x="1000552" y="740052"/>
-            <a:ext cx="7576641" cy="899034"/>
-          </a:xfrm>
-          <a:prstGeom prst="rect">
-            <a:avLst/>
-          </a:prstGeom>
-          <a:ln w="50800">
-            <a:solidFill>
-              <a:srgbClr val="70AD47">
-                <a:lumMod val="60000"/>
-                <a:lumOff val="40000"/>
-              </a:srgbClr>
-            </a:solidFill>
-          </a:ln>
-          <a:effectLst>
-            <a:outerShdw blurRad="50800" dist="127000" dir="2700000" algn="tl" rotWithShape="0">
-              <a:sysClr val="window" lastClr="FFFFFF">
-                <a:alpha val="40000"/>
-              </a:sysClr>
-            </a:outerShdw>
-          </a:effectLst>
-        </p:spPr>
-      </p:pic>
-      <p:sp>
-        <p:nvSpPr>
-          <p:cNvPr id="2" name="Title 1">
-            <a:extLst>
-              <a:ext uri="{FF2B5EF4-FFF2-40B4-BE49-F238E27FC236}">
-                <a16:creationId xmlns:a16="http://schemas.microsoft.com/office/drawing/2014/main" id="{54C7F764-8D4D-421D-979F-2C7A67DE064B}"/>
-              </a:ext>
-            </a:extLst>
-          </p:cNvPr>
-          <p:cNvSpPr>
-            <a:spLocks noGrp="1"/>
-          </p:cNvSpPr>
-          <p:nvPr>
-            <p:ph type="ctrTitle"/>
-          </p:nvPr>
-        </p:nvSpPr>
-        <p:spPr>
-          <a:xfrm>
-            <a:off x="145062" y="123804"/>
-            <a:ext cx="1319592" cy="369332"/>
-          </a:xfrm>
-          <a:gradFill>
-            <a:gsLst>
-              <a:gs pos="0">
-                <a:schemeClr val="accent1">
-                  <a:lumMod val="5000"/>
-                  <a:lumOff val="95000"/>
-                </a:schemeClr>
-              </a:gs>
-              <a:gs pos="74000">
-                <a:schemeClr val="accent1">
-                  <a:lumMod val="45000"/>
-                  <a:lumOff val="55000"/>
-                </a:schemeClr>
-              </a:gs>
-              <a:gs pos="83000">
-                <a:schemeClr val="accent1">
-                  <a:lumMod val="45000"/>
-                  <a:lumOff val="55000"/>
-                </a:schemeClr>
-              </a:gs>
-              <a:gs pos="100000">
-                <a:schemeClr val="accent1">
-                  <a:lumMod val="30000"/>
-                  <a:lumOff val="70000"/>
-                </a:schemeClr>
-              </a:gs>
-            </a:gsLst>
-            <a:lin ang="5400000" scaled="1"/>
-          </a:gradFill>
-          <a:ln w="25400">
-            <a:solidFill>
-              <a:schemeClr val="accent1"/>
-            </a:solidFill>
-          </a:ln>
-        </p:spPr>
-        <p:txBody>
-          <a:bodyPr vert="horz" wrap="none" lIns="91440" tIns="45720" rIns="91440" bIns="45720" rtlCol="0" anchor="t">
-            <a:spAutoFit/>
-          </a:bodyPr>
-          <a:lstStyle/>
-          <a:p>
-            <a:pPr algn="l"/>
-            <a:r>
-              <a:rPr lang="en-US" sz="2000" dirty="0">
-                <a:solidFill>
-                  <a:schemeClr val="bg2">
-                    <a:lumMod val="25000"/>
-                  </a:schemeClr>
-                </a:solidFill>
-                <a:sym typeface="Wingdings" panose="05000000000000000000" pitchFamily="2" charset="2"/>
-              </a:rPr>
-              <a:t>2. modules</a:t>
-            </a:r>
-            <a:endParaRPr lang="en-US" sz="2000" dirty="0">
-              <a:solidFill>
-                <a:schemeClr val="bg2">
-                  <a:lumMod val="25000"/>
-                </a:schemeClr>
-              </a:solidFill>
-            </a:endParaRPr>
-          </a:p>
-        </p:txBody>
-      </p:sp>
-      <p:sp>
-        <p:nvSpPr>
-          <p:cNvPr id="5" name="Rectangle 4">
-            <a:extLst>
-              <a:ext uri="{FF2B5EF4-FFF2-40B4-BE49-F238E27FC236}">
-                <a16:creationId xmlns:a16="http://schemas.microsoft.com/office/drawing/2014/main" id="{D45E34D6-120F-44F6-96A2-17230046C2F4}"/>
-              </a:ext>
-            </a:extLst>
-          </p:cNvPr>
-          <p:cNvSpPr/>
-          <p:nvPr/>
-        </p:nvSpPr>
-        <p:spPr>
-          <a:xfrm>
-            <a:off x="145062" y="633528"/>
-            <a:ext cx="207692" cy="6048000"/>
-          </a:xfrm>
-          <a:prstGeom prst="rect">
-            <a:avLst/>
-          </a:prstGeom>
-          <a:solidFill>
-            <a:schemeClr val="tx1"/>
-          </a:solidFill>
-          <a:ln w="25400"/>
-          <a:effectLst>
-            <a:outerShdw blurRad="50800" dist="63500" dir="2700000" algn="tl" rotWithShape="0">
-              <a:schemeClr val="bg1">
-                <a:alpha val="40000"/>
-              </a:schemeClr>
-            </a:outerShdw>
-          </a:effectLst>
-        </p:spPr>
-        <p:style>
-          <a:lnRef idx="2">
-            <a:schemeClr val="accent1">
-              <a:shade val="50000"/>
-            </a:schemeClr>
-          </a:lnRef>
-          <a:fillRef idx="1">
-            <a:schemeClr val="accent1"/>
-          </a:fillRef>
-          <a:effectRef idx="0">
-            <a:schemeClr val="accent1"/>
-          </a:effectRef>
-          <a:fontRef idx="minor">
-            <a:schemeClr val="lt1"/>
-          </a:fontRef>
-        </p:style>
-        <p:txBody>
-          <a:bodyPr rtlCol="0" anchor="ctr"/>
-          <a:lstStyle/>
-          <a:p>
-            <a:pPr marL="0" marR="0" lvl="0" indent="0" algn="ctr" defTabSz="914400" rtl="0" eaLnBrk="1" fontAlgn="auto" latinLnBrk="0" hangingPunct="1">
-              <a:lnSpc>
-                <a:spcPct val="100000"/>
-              </a:lnSpc>
-              <a:spcBef>
-                <a:spcPts val="0"/>
-              </a:spcBef>
-              <a:spcAft>
-                <a:spcPts val="0"/>
-              </a:spcAft>
-              <a:buClrTx/>
-              <a:buSzTx/>
-              <a:buFontTx/>
-              <a:buNone/>
-              <a:tabLst/>
-              <a:defRPr/>
-            </a:pPr>
-            <a:endParaRPr kumimoji="0" lang="pt-PT" sz="1800" b="0" i="0" u="none" strike="noStrike" kern="1200" cap="none" spc="0" normalizeH="0" baseline="0" noProof="0">
-              <a:ln>
-                <a:noFill/>
-              </a:ln>
-              <a:solidFill>
-                <a:prstClr val="white"/>
-              </a:solidFill>
-              <a:effectLst/>
-              <a:uLnTx/>
-              <a:uFillTx/>
-              <a:latin typeface="Calibri" panose="020F0502020204030204"/>
-              <a:ea typeface="+mn-ea"/>
-              <a:cs typeface="+mn-cs"/>
-            </a:endParaRPr>
-          </a:p>
-        </p:txBody>
-      </p:sp>
-      <p:sp>
-        <p:nvSpPr>
-          <p:cNvPr id="8" name="Arrow: Right 5">
-            <a:extLst>
-              <a:ext uri="{FF2B5EF4-FFF2-40B4-BE49-F238E27FC236}">
-                <a16:creationId xmlns:a16="http://schemas.microsoft.com/office/drawing/2014/main" id="{B9CFDE67-358F-40AB-A205-0236CB52ADC0}"/>
-              </a:ext>
-            </a:extLst>
-          </p:cNvPr>
-          <p:cNvSpPr/>
-          <p:nvPr/>
-        </p:nvSpPr>
-        <p:spPr>
-          <a:xfrm>
-            <a:off x="261441" y="740052"/>
-            <a:ext cx="739111" cy="276999"/>
-          </a:xfrm>
-          <a:custGeom>
-            <a:avLst/>
-            <a:gdLst>
-              <a:gd name="connsiteX0" fmla="*/ 0 w 1727200"/>
-              <a:gd name="connsiteY0" fmla="*/ 119380 h 477520"/>
-              <a:gd name="connsiteX1" fmla="*/ 1488440 w 1727200"/>
-              <a:gd name="connsiteY1" fmla="*/ 119380 h 477520"/>
-              <a:gd name="connsiteX2" fmla="*/ 1488440 w 1727200"/>
-              <a:gd name="connsiteY2" fmla="*/ 0 h 477520"/>
-              <a:gd name="connsiteX3" fmla="*/ 1727200 w 1727200"/>
-              <a:gd name="connsiteY3" fmla="*/ 238760 h 477520"/>
-              <a:gd name="connsiteX4" fmla="*/ 1488440 w 1727200"/>
-              <a:gd name="connsiteY4" fmla="*/ 477520 h 477520"/>
-              <a:gd name="connsiteX5" fmla="*/ 1488440 w 1727200"/>
-              <a:gd name="connsiteY5" fmla="*/ 358140 h 477520"/>
-              <a:gd name="connsiteX6" fmla="*/ 0 w 1727200"/>
-              <a:gd name="connsiteY6" fmla="*/ 358140 h 477520"/>
-              <a:gd name="connsiteX7" fmla="*/ 0 w 1727200"/>
-              <a:gd name="connsiteY7" fmla="*/ 119380 h 477520"/>
-              <a:gd name="connsiteX0" fmla="*/ 0 w 1727200"/>
-              <a:gd name="connsiteY0" fmla="*/ 11803 h 369943"/>
-              <a:gd name="connsiteX1" fmla="*/ 1488440 w 1727200"/>
-              <a:gd name="connsiteY1" fmla="*/ 11803 h 369943"/>
-              <a:gd name="connsiteX2" fmla="*/ 1488440 w 1727200"/>
-              <a:gd name="connsiteY2" fmla="*/ 0 h 369943"/>
-              <a:gd name="connsiteX3" fmla="*/ 1727200 w 1727200"/>
-              <a:gd name="connsiteY3" fmla="*/ 131183 h 369943"/>
-              <a:gd name="connsiteX4" fmla="*/ 1488440 w 1727200"/>
-              <a:gd name="connsiteY4" fmla="*/ 369943 h 369943"/>
-              <a:gd name="connsiteX5" fmla="*/ 1488440 w 1727200"/>
-              <a:gd name="connsiteY5" fmla="*/ 250563 h 369943"/>
-              <a:gd name="connsiteX6" fmla="*/ 0 w 1727200"/>
-              <a:gd name="connsiteY6" fmla="*/ 250563 h 369943"/>
-              <a:gd name="connsiteX7" fmla="*/ 0 w 1727200"/>
-              <a:gd name="connsiteY7" fmla="*/ 11803 h 369943"/>
-              <a:gd name="connsiteX0" fmla="*/ 0 w 1727200"/>
-              <a:gd name="connsiteY0" fmla="*/ 0 h 358140"/>
-              <a:gd name="connsiteX1" fmla="*/ 1488440 w 1727200"/>
-              <a:gd name="connsiteY1" fmla="*/ 0 h 358140"/>
-              <a:gd name="connsiteX2" fmla="*/ 1497538 w 1727200"/>
-              <a:gd name="connsiteY2" fmla="*/ 6394 h 358140"/>
-              <a:gd name="connsiteX3" fmla="*/ 1727200 w 1727200"/>
-              <a:gd name="connsiteY3" fmla="*/ 119380 h 358140"/>
-              <a:gd name="connsiteX4" fmla="*/ 1488440 w 1727200"/>
-              <a:gd name="connsiteY4" fmla="*/ 358140 h 358140"/>
-              <a:gd name="connsiteX5" fmla="*/ 1488440 w 1727200"/>
-              <a:gd name="connsiteY5" fmla="*/ 238760 h 358140"/>
-              <a:gd name="connsiteX6" fmla="*/ 0 w 1727200"/>
-              <a:gd name="connsiteY6" fmla="*/ 238760 h 358140"/>
-              <a:gd name="connsiteX7" fmla="*/ 0 w 1727200"/>
-              <a:gd name="connsiteY7" fmla="*/ 0 h 358140"/>
-              <a:gd name="connsiteX0" fmla="*/ 0 w 1727200"/>
-              <a:gd name="connsiteY0" fmla="*/ 0 h 239859"/>
-              <a:gd name="connsiteX1" fmla="*/ 1488440 w 1727200"/>
-              <a:gd name="connsiteY1" fmla="*/ 0 h 239859"/>
-              <a:gd name="connsiteX2" fmla="*/ 1497538 w 1727200"/>
-              <a:gd name="connsiteY2" fmla="*/ 6394 h 239859"/>
-              <a:gd name="connsiteX3" fmla="*/ 1727200 w 1727200"/>
-              <a:gd name="connsiteY3" fmla="*/ 119380 h 239859"/>
-              <a:gd name="connsiteX4" fmla="*/ 1492989 w 1727200"/>
-              <a:gd name="connsiteY4" fmla="*/ 239859 h 239859"/>
-              <a:gd name="connsiteX5" fmla="*/ 1488440 w 1727200"/>
-              <a:gd name="connsiteY5" fmla="*/ 238760 h 239859"/>
-              <a:gd name="connsiteX6" fmla="*/ 0 w 1727200"/>
-              <a:gd name="connsiteY6" fmla="*/ 238760 h 239859"/>
-              <a:gd name="connsiteX7" fmla="*/ 0 w 1727200"/>
-              <a:gd name="connsiteY7" fmla="*/ 0 h 239859"/>
-            </a:gdLst>
-            <a:ahLst/>
-            <a:cxnLst>
-              <a:cxn ang="0">
-                <a:pos x="connsiteX0" y="connsiteY0"/>
-              </a:cxn>
-              <a:cxn ang="0">
-                <a:pos x="connsiteX1" y="connsiteY1"/>
-              </a:cxn>
-              <a:cxn ang="0">
-                <a:pos x="connsiteX2" y="connsiteY2"/>
-              </a:cxn>
-              <a:cxn ang="0">
-                <a:pos x="connsiteX3" y="connsiteY3"/>
-              </a:cxn>
-              <a:cxn ang="0">
-                <a:pos x="connsiteX4" y="connsiteY4"/>
-              </a:cxn>
-              <a:cxn ang="0">
-                <a:pos x="connsiteX5" y="connsiteY5"/>
-              </a:cxn>
-              <a:cxn ang="0">
-                <a:pos x="connsiteX6" y="connsiteY6"/>
-              </a:cxn>
-              <a:cxn ang="0">
-                <a:pos x="connsiteX7" y="connsiteY7"/>
-              </a:cxn>
-            </a:cxnLst>
-            <a:rect l="l" t="t" r="r" b="b"/>
-            <a:pathLst>
-              <a:path w="1727200" h="239859">
-                <a:moveTo>
-                  <a:pt x="0" y="0"/>
-                </a:moveTo>
-                <a:lnTo>
-                  <a:pt x="1488440" y="0"/>
-                </a:lnTo>
-                <a:lnTo>
-                  <a:pt x="1497538" y="6394"/>
-                </a:lnTo>
-                <a:lnTo>
-                  <a:pt x="1727200" y="119380"/>
-                </a:lnTo>
-                <a:lnTo>
-                  <a:pt x="1492989" y="239859"/>
-                </a:lnTo>
-                <a:lnTo>
-                  <a:pt x="1488440" y="238760"/>
-                </a:lnTo>
-                <a:lnTo>
-                  <a:pt x="0" y="238760"/>
-                </a:lnTo>
-                <a:lnTo>
-                  <a:pt x="0" y="0"/>
-                </a:lnTo>
-                <a:close/>
-              </a:path>
-            </a:pathLst>
-          </a:custGeom>
-          <a:solidFill>
-            <a:sysClr val="windowText" lastClr="000000"/>
-          </a:solidFill>
-          <a:ln w="25400" cap="flat" cmpd="sng" algn="ctr">
-            <a:solidFill>
-              <a:srgbClr val="FFC000">
-                <a:lumMod val="60000"/>
-                <a:lumOff val="40000"/>
-              </a:srgbClr>
-            </a:solidFill>
-            <a:prstDash val="solid"/>
-            <a:miter lim="800000"/>
-          </a:ln>
-          <a:effectLst>
-            <a:outerShdw blurRad="50800" dist="63500" dir="2700000" algn="tl" rotWithShape="0">
-              <a:sysClr val="window" lastClr="FFFFFF">
-                <a:alpha val="40000"/>
-              </a:sysClr>
-            </a:outerShdw>
-          </a:effectLst>
-        </p:spPr>
-        <p:txBody>
-          <a:bodyPr wrap="none" lIns="90000" tIns="0" rIns="180000" bIns="0" rtlCol="0" anchor="ctr">
-            <a:spAutoFit/>
-          </a:bodyPr>
-          <a:lstStyle/>
-          <a:p>
-            <a:pPr marL="0" marR="0" lvl="0" indent="0" defTabSz="914369" eaLnBrk="1" fontAlgn="auto" latinLnBrk="0" hangingPunct="1">
-              <a:lnSpc>
-                <a:spcPct val="100000"/>
-              </a:lnSpc>
-              <a:spcBef>
-                <a:spcPts val="0"/>
-              </a:spcBef>
-              <a:spcAft>
-                <a:spcPts val="0"/>
-              </a:spcAft>
-              <a:buClrTx/>
-              <a:buSzTx/>
-              <a:buFontTx/>
-              <a:buNone/>
-              <a:tabLst/>
-              <a:defRPr/>
-            </a:pPr>
-            <a:r>
-              <a:rPr kumimoji="0" lang="en-US" sz="1800" b="0" i="0" u="none" strike="noStrike" kern="0" cap="none" spc="0" normalizeH="0" baseline="0" noProof="0" dirty="0">
-                <a:ln>
-                  <a:noFill/>
-                </a:ln>
-                <a:solidFill>
-                  <a:prstClr val="white"/>
-                </a:solidFill>
-                <a:effectLst/>
-                <a:uLnTx/>
-                <a:uFillTx/>
-                <a:latin typeface="Calibri Light" panose="020F0302020204030204"/>
-              </a:rPr>
-              <a:t>what</a:t>
-            </a:r>
-          </a:p>
-        </p:txBody>
-      </p:sp>
-      <p:grpSp>
-        <p:nvGrpSpPr>
-          <p:cNvPr id="10" name="Group 9">
-            <a:extLst>
-              <a:ext uri="{FF2B5EF4-FFF2-40B4-BE49-F238E27FC236}">
-                <a16:creationId xmlns:a16="http://schemas.microsoft.com/office/drawing/2014/main" id="{D5F36DCF-CF47-4764-A43A-C215FF187584}"/>
-              </a:ext>
-            </a:extLst>
-          </p:cNvPr>
-          <p:cNvGrpSpPr/>
-          <p:nvPr/>
-        </p:nvGrpSpPr>
-        <p:grpSpPr>
-          <a:xfrm>
-            <a:off x="7513112" y="1707330"/>
-            <a:ext cx="1175127" cy="246221"/>
-            <a:chOff x="5881666" y="1565584"/>
-            <a:chExt cx="1175127" cy="246221"/>
-          </a:xfrm>
-        </p:grpSpPr>
-        <p:sp>
-          <p:nvSpPr>
-            <p:cNvPr id="11" name="Retângulo 5">
-              <a:extLst>
-                <a:ext uri="{FF2B5EF4-FFF2-40B4-BE49-F238E27FC236}">
-                  <a16:creationId xmlns:a16="http://schemas.microsoft.com/office/drawing/2014/main" id="{3EA3BE74-A651-4F4B-B950-67BB4DF54D51}"/>
-                </a:ext>
-              </a:extLst>
-            </p:cNvPr>
-            <p:cNvSpPr/>
-            <p:nvPr/>
-          </p:nvSpPr>
-          <p:spPr>
-            <a:xfrm>
-              <a:off x="6016123" y="1565584"/>
-              <a:ext cx="1040670" cy="246221"/>
-            </a:xfrm>
-            <a:prstGeom prst="rect">
-              <a:avLst/>
-            </a:prstGeom>
-          </p:spPr>
-          <p:txBody>
-            <a:bodyPr wrap="none">
-              <a:spAutoFit/>
-            </a:bodyPr>
-            <a:lstStyle/>
-            <a:p>
-              <a:pPr marL="0" marR="0" lvl="0" indent="0" defTabSz="914369" eaLnBrk="1" fontAlgn="auto" latinLnBrk="0" hangingPunct="1">
-                <a:lnSpc>
-                  <a:spcPct val="100000"/>
-                </a:lnSpc>
-                <a:spcBef>
-                  <a:spcPts val="0"/>
-                </a:spcBef>
-                <a:spcAft>
-                  <a:spcPts val="0"/>
-                </a:spcAft>
-                <a:buClrTx/>
-                <a:buSzTx/>
-                <a:buFontTx/>
-                <a:buNone/>
-                <a:tabLst/>
-                <a:defRPr/>
-              </a:pPr>
-              <a:r>
-                <a:rPr kumimoji="0" lang="en-US" sz="1000" b="0" i="0" u="none" strike="noStrike" kern="0" cap="none" spc="0" normalizeH="0" baseline="0" noProof="0" dirty="0">
-                  <a:ln>
-                    <a:noFill/>
-                  </a:ln>
-                  <a:solidFill>
-                    <a:prstClr val="black"/>
-                  </a:solidFill>
-                  <a:effectLst/>
-                  <a:uLnTx/>
-                  <a:uFillTx/>
-                  <a:hlinkClick r:id="rId3"/>
-                </a:rPr>
-                <a:t>python-modules</a:t>
-              </a:r>
-              <a:endParaRPr kumimoji="0" lang="en-US" sz="1000" b="0" i="0" u="none" strike="noStrike" kern="0" cap="none" spc="0" normalizeH="0" baseline="0" noProof="0" dirty="0">
-                <a:ln>
-                  <a:noFill/>
-                </a:ln>
-                <a:solidFill>
-                  <a:prstClr val="black"/>
-                </a:solidFill>
-                <a:effectLst/>
-                <a:uLnTx/>
-                <a:uFillTx/>
-              </a:endParaRPr>
-            </a:p>
-          </p:txBody>
-        </p:sp>
-        <p:pic>
-          <p:nvPicPr>
-            <p:cNvPr id="12" name="Picture 11" descr="Icon&#10;&#10;Description automatically generated">
-              <a:extLst>
-                <a:ext uri="{FF2B5EF4-FFF2-40B4-BE49-F238E27FC236}">
-                  <a16:creationId xmlns:a16="http://schemas.microsoft.com/office/drawing/2014/main" id="{C3A87B84-B481-4A71-AC5E-18443239CF7A}"/>
-                </a:ext>
-              </a:extLst>
-            </p:cNvPr>
-            <p:cNvPicPr>
-              <a:picLocks noChangeAspect="1"/>
-            </p:cNvPicPr>
-            <p:nvPr/>
-          </p:nvPicPr>
-          <p:blipFill>
-            <a:blip r:embed="rId4" cstate="print">
-              <a:extLst>
-                <a:ext uri="{28A0092B-C50C-407E-A947-70E740481C1C}">
-                  <a14:useLocalDpi xmlns:a14="http://schemas.microsoft.com/office/drawing/2010/main" val="0"/>
-                </a:ext>
-              </a:extLst>
-            </a:blip>
-            <a:stretch>
-              <a:fillRect/>
-            </a:stretch>
-          </p:blipFill>
-          <p:spPr>
-            <a:xfrm>
-              <a:off x="5881666" y="1590687"/>
-              <a:ext cx="180000" cy="180000"/>
-            </a:xfrm>
-            <a:prstGeom prst="rect">
-              <a:avLst/>
-            </a:prstGeom>
-          </p:spPr>
-        </p:pic>
-      </p:grpSp>
-      <p:pic>
-        <p:nvPicPr>
-          <p:cNvPr id="9" name="Picture 8">
-            <a:extLst>
-              <a:ext uri="{FF2B5EF4-FFF2-40B4-BE49-F238E27FC236}">
-                <a16:creationId xmlns:a16="http://schemas.microsoft.com/office/drawing/2014/main" id="{FE1B9825-1A1B-4162-9140-7CC086174740}"/>
-              </a:ext>
-            </a:extLst>
-          </p:cNvPr>
-          <p:cNvPicPr>
-            <a:picLocks noChangeAspect="1"/>
-          </p:cNvPicPr>
-          <p:nvPr/>
-        </p:nvPicPr>
-        <p:blipFill>
-          <a:blip r:embed="rId5"/>
-          <a:stretch>
-            <a:fillRect/>
-          </a:stretch>
-        </p:blipFill>
-        <p:spPr>
-          <a:xfrm>
-            <a:off x="1209715" y="2460507"/>
-            <a:ext cx="6246653" cy="1100501"/>
-          </a:xfrm>
-          <a:prstGeom prst="rect">
-            <a:avLst/>
-          </a:prstGeom>
-          <a:ln w="50800">
-            <a:solidFill>
-              <a:srgbClr val="70AD47">
-                <a:lumMod val="60000"/>
-                <a:lumOff val="40000"/>
-              </a:srgbClr>
-            </a:solidFill>
-          </a:ln>
-          <a:effectLst>
-            <a:outerShdw blurRad="50800" dist="127000" dir="2700000" algn="tl" rotWithShape="0">
-              <a:sysClr val="window" lastClr="FFFFFF">
-                <a:alpha val="40000"/>
-              </a:sysClr>
-            </a:outerShdw>
-          </a:effectLst>
-        </p:spPr>
-      </p:pic>
-      <p:sp>
-        <p:nvSpPr>
-          <p:cNvPr id="23" name="Arrow: Right 5">
-            <a:extLst>
-              <a:ext uri="{FF2B5EF4-FFF2-40B4-BE49-F238E27FC236}">
-                <a16:creationId xmlns:a16="http://schemas.microsoft.com/office/drawing/2014/main" id="{A422A3F9-4324-48B1-B401-2A94FF0BCB01}"/>
-              </a:ext>
-            </a:extLst>
-          </p:cNvPr>
-          <p:cNvSpPr/>
-          <p:nvPr/>
-        </p:nvSpPr>
-        <p:spPr>
-          <a:xfrm>
-            <a:off x="307098" y="2557027"/>
-            <a:ext cx="902617" cy="276999"/>
-          </a:xfrm>
-          <a:custGeom>
-            <a:avLst/>
-            <a:gdLst>
-              <a:gd name="connsiteX0" fmla="*/ 0 w 1727200"/>
-              <a:gd name="connsiteY0" fmla="*/ 119380 h 477520"/>
-              <a:gd name="connsiteX1" fmla="*/ 1488440 w 1727200"/>
-              <a:gd name="connsiteY1" fmla="*/ 119380 h 477520"/>
-              <a:gd name="connsiteX2" fmla="*/ 1488440 w 1727200"/>
-              <a:gd name="connsiteY2" fmla="*/ 0 h 477520"/>
-              <a:gd name="connsiteX3" fmla="*/ 1727200 w 1727200"/>
-              <a:gd name="connsiteY3" fmla="*/ 238760 h 477520"/>
-              <a:gd name="connsiteX4" fmla="*/ 1488440 w 1727200"/>
-              <a:gd name="connsiteY4" fmla="*/ 477520 h 477520"/>
-              <a:gd name="connsiteX5" fmla="*/ 1488440 w 1727200"/>
-              <a:gd name="connsiteY5" fmla="*/ 358140 h 477520"/>
-              <a:gd name="connsiteX6" fmla="*/ 0 w 1727200"/>
-              <a:gd name="connsiteY6" fmla="*/ 358140 h 477520"/>
-              <a:gd name="connsiteX7" fmla="*/ 0 w 1727200"/>
-              <a:gd name="connsiteY7" fmla="*/ 119380 h 477520"/>
-              <a:gd name="connsiteX0" fmla="*/ 0 w 1727200"/>
-              <a:gd name="connsiteY0" fmla="*/ 11803 h 369943"/>
-              <a:gd name="connsiteX1" fmla="*/ 1488440 w 1727200"/>
-              <a:gd name="connsiteY1" fmla="*/ 11803 h 369943"/>
-              <a:gd name="connsiteX2" fmla="*/ 1488440 w 1727200"/>
-              <a:gd name="connsiteY2" fmla="*/ 0 h 369943"/>
-              <a:gd name="connsiteX3" fmla="*/ 1727200 w 1727200"/>
-              <a:gd name="connsiteY3" fmla="*/ 131183 h 369943"/>
-              <a:gd name="connsiteX4" fmla="*/ 1488440 w 1727200"/>
-              <a:gd name="connsiteY4" fmla="*/ 369943 h 369943"/>
-              <a:gd name="connsiteX5" fmla="*/ 1488440 w 1727200"/>
-              <a:gd name="connsiteY5" fmla="*/ 250563 h 369943"/>
-              <a:gd name="connsiteX6" fmla="*/ 0 w 1727200"/>
-              <a:gd name="connsiteY6" fmla="*/ 250563 h 369943"/>
-              <a:gd name="connsiteX7" fmla="*/ 0 w 1727200"/>
-              <a:gd name="connsiteY7" fmla="*/ 11803 h 369943"/>
-              <a:gd name="connsiteX0" fmla="*/ 0 w 1727200"/>
-              <a:gd name="connsiteY0" fmla="*/ 0 h 358140"/>
-              <a:gd name="connsiteX1" fmla="*/ 1488440 w 1727200"/>
-              <a:gd name="connsiteY1" fmla="*/ 0 h 358140"/>
-              <a:gd name="connsiteX2" fmla="*/ 1497538 w 1727200"/>
-              <a:gd name="connsiteY2" fmla="*/ 6394 h 358140"/>
-              <a:gd name="connsiteX3" fmla="*/ 1727200 w 1727200"/>
-              <a:gd name="connsiteY3" fmla="*/ 119380 h 358140"/>
-              <a:gd name="connsiteX4" fmla="*/ 1488440 w 1727200"/>
-              <a:gd name="connsiteY4" fmla="*/ 358140 h 358140"/>
-              <a:gd name="connsiteX5" fmla="*/ 1488440 w 1727200"/>
-              <a:gd name="connsiteY5" fmla="*/ 238760 h 358140"/>
-              <a:gd name="connsiteX6" fmla="*/ 0 w 1727200"/>
-              <a:gd name="connsiteY6" fmla="*/ 238760 h 358140"/>
-              <a:gd name="connsiteX7" fmla="*/ 0 w 1727200"/>
-              <a:gd name="connsiteY7" fmla="*/ 0 h 358140"/>
-              <a:gd name="connsiteX0" fmla="*/ 0 w 1727200"/>
-              <a:gd name="connsiteY0" fmla="*/ 0 h 239859"/>
-              <a:gd name="connsiteX1" fmla="*/ 1488440 w 1727200"/>
-              <a:gd name="connsiteY1" fmla="*/ 0 h 239859"/>
-              <a:gd name="connsiteX2" fmla="*/ 1497538 w 1727200"/>
-              <a:gd name="connsiteY2" fmla="*/ 6394 h 239859"/>
-              <a:gd name="connsiteX3" fmla="*/ 1727200 w 1727200"/>
-              <a:gd name="connsiteY3" fmla="*/ 119380 h 239859"/>
-              <a:gd name="connsiteX4" fmla="*/ 1492989 w 1727200"/>
-              <a:gd name="connsiteY4" fmla="*/ 239859 h 239859"/>
-              <a:gd name="connsiteX5" fmla="*/ 1488440 w 1727200"/>
-              <a:gd name="connsiteY5" fmla="*/ 238760 h 239859"/>
-              <a:gd name="connsiteX6" fmla="*/ 0 w 1727200"/>
-              <a:gd name="connsiteY6" fmla="*/ 238760 h 239859"/>
-              <a:gd name="connsiteX7" fmla="*/ 0 w 1727200"/>
-              <a:gd name="connsiteY7" fmla="*/ 0 h 239859"/>
-            </a:gdLst>
-            <a:ahLst/>
-            <a:cxnLst>
-              <a:cxn ang="0">
-                <a:pos x="connsiteX0" y="connsiteY0"/>
-              </a:cxn>
-              <a:cxn ang="0">
-                <a:pos x="connsiteX1" y="connsiteY1"/>
-              </a:cxn>
-              <a:cxn ang="0">
-                <a:pos x="connsiteX2" y="connsiteY2"/>
-              </a:cxn>
-              <a:cxn ang="0">
-                <a:pos x="connsiteX3" y="connsiteY3"/>
-              </a:cxn>
-              <a:cxn ang="0">
-                <a:pos x="connsiteX4" y="connsiteY4"/>
-              </a:cxn>
-              <a:cxn ang="0">
-                <a:pos x="connsiteX5" y="connsiteY5"/>
-              </a:cxn>
-              <a:cxn ang="0">
-                <a:pos x="connsiteX6" y="connsiteY6"/>
-              </a:cxn>
-              <a:cxn ang="0">
-                <a:pos x="connsiteX7" y="connsiteY7"/>
-              </a:cxn>
-            </a:cxnLst>
-            <a:rect l="l" t="t" r="r" b="b"/>
-            <a:pathLst>
-              <a:path w="1727200" h="239859">
-                <a:moveTo>
-                  <a:pt x="0" y="0"/>
-                </a:moveTo>
-                <a:lnTo>
-                  <a:pt x="1488440" y="0"/>
-                </a:lnTo>
-                <a:lnTo>
-                  <a:pt x="1497538" y="6394"/>
-                </a:lnTo>
-                <a:lnTo>
-                  <a:pt x="1727200" y="119380"/>
-                </a:lnTo>
-                <a:lnTo>
-                  <a:pt x="1492989" y="239859"/>
-                </a:lnTo>
-                <a:lnTo>
-                  <a:pt x="1488440" y="238760"/>
-                </a:lnTo>
-                <a:lnTo>
-                  <a:pt x="0" y="238760"/>
-                </a:lnTo>
-                <a:lnTo>
-                  <a:pt x="0" y="0"/>
-                </a:lnTo>
-                <a:close/>
-              </a:path>
-            </a:pathLst>
-          </a:custGeom>
-          <a:solidFill>
-            <a:sysClr val="windowText" lastClr="000000"/>
-          </a:solidFill>
-          <a:ln w="25400" cap="flat" cmpd="sng" algn="ctr">
-            <a:solidFill>
-              <a:srgbClr val="FFC000">
-                <a:lumMod val="60000"/>
-                <a:lumOff val="40000"/>
-              </a:srgbClr>
-            </a:solidFill>
-            <a:prstDash val="solid"/>
-            <a:miter lim="800000"/>
-          </a:ln>
-          <a:effectLst>
-            <a:outerShdw blurRad="50800" dist="63500" dir="2700000" algn="tl" rotWithShape="0">
-              <a:sysClr val="window" lastClr="FFFFFF">
-                <a:alpha val="40000"/>
-              </a:sysClr>
-            </a:outerShdw>
-          </a:effectLst>
-        </p:spPr>
-        <p:txBody>
-          <a:bodyPr wrap="none" lIns="90000" tIns="0" rIns="180000" bIns="0" rtlCol="0" anchor="ctr">
-            <a:spAutoFit/>
-          </a:bodyPr>
-          <a:lstStyle/>
-          <a:p>
-            <a:pPr marL="0" marR="0" lvl="0" indent="0" defTabSz="914369" eaLnBrk="1" fontAlgn="auto" latinLnBrk="0" hangingPunct="1">
-              <a:lnSpc>
-                <a:spcPct val="100000"/>
-              </a:lnSpc>
-              <a:spcBef>
-                <a:spcPts val="0"/>
-              </a:spcBef>
-              <a:spcAft>
-                <a:spcPts val="0"/>
-              </a:spcAft>
-              <a:buClrTx/>
-              <a:buSzTx/>
-              <a:buFontTx/>
-              <a:buNone/>
-              <a:tabLst/>
-              <a:defRPr/>
-            </a:pPr>
-            <a:r>
-              <a:rPr kumimoji="0" lang="en-US" sz="1800" b="0" i="0" u="none" strike="noStrike" kern="0" cap="none" spc="0" normalizeH="0" baseline="0" noProof="0" dirty="0">
-                <a:ln>
-                  <a:noFill/>
-                </a:ln>
-                <a:solidFill>
-                  <a:prstClr val="white"/>
-                </a:solidFill>
-                <a:effectLst/>
-                <a:uLnTx/>
-                <a:uFillTx/>
-                <a:latin typeface="Calibri Light" panose="020F0302020204030204"/>
-              </a:rPr>
-              <a:t>import</a:t>
-            </a:r>
-          </a:p>
-        </p:txBody>
-      </p:sp>
-      <p:pic>
-        <p:nvPicPr>
-          <p:cNvPr id="14" name="Picture 13">
-            <a:extLst>
-              <a:ext uri="{FF2B5EF4-FFF2-40B4-BE49-F238E27FC236}">
-                <a16:creationId xmlns:a16="http://schemas.microsoft.com/office/drawing/2014/main" id="{DB5338C3-D8FA-4FF7-B04B-C67824C62EA4}"/>
-              </a:ext>
-            </a:extLst>
-          </p:cNvPr>
-          <p:cNvPicPr>
-            <a:picLocks noChangeAspect="1"/>
-          </p:cNvPicPr>
-          <p:nvPr/>
-        </p:nvPicPr>
-        <p:blipFill>
-          <a:blip r:embed="rId6"/>
-          <a:stretch>
-            <a:fillRect/>
-          </a:stretch>
-        </p:blipFill>
-        <p:spPr>
-          <a:xfrm>
-            <a:off x="1126350" y="3927293"/>
-            <a:ext cx="4426090" cy="2493946"/>
-          </a:xfrm>
-          <a:prstGeom prst="rect">
-            <a:avLst/>
-          </a:prstGeom>
-          <a:ln w="50800">
-            <a:solidFill>
-              <a:srgbClr val="70AD47">
-                <a:lumMod val="60000"/>
-                <a:lumOff val="40000"/>
-              </a:srgbClr>
-            </a:solidFill>
-          </a:ln>
-          <a:effectLst>
-            <a:outerShdw blurRad="50800" dist="127000" dir="2700000" algn="tl" rotWithShape="0">
-              <a:sysClr val="window" lastClr="FFFFFF">
-                <a:alpha val="40000"/>
-              </a:sysClr>
-            </a:outerShdw>
-          </a:effectLst>
-        </p:spPr>
-      </p:pic>
-    </p:spTree>
-    <p:extLst>
-      <p:ext uri="{BB962C8B-B14F-4D97-AF65-F5344CB8AC3E}">
-        <p14:creationId xmlns:p14="http://schemas.microsoft.com/office/powerpoint/2010/main" val="1757433295"/>
+        <p14:creationId xmlns:p14="http://schemas.microsoft.com/office/powerpoint/2010/main" val="712591386"/>
       </p:ext>
     </p:extLst>
   </p:cSld>
@@ -7887,2946 +7337,6 @@
 </file>
 
 <file path=ppt/slides/slide3.xml><?xml version="1.0" encoding="utf-8"?>
-<p:sld xmlns:a="http://schemas.openxmlformats.org/drawingml/2006/main" xmlns:r="http://schemas.openxmlformats.org/officeDocument/2006/relationships" xmlns:p="http://schemas.openxmlformats.org/presentationml/2006/main">
-  <p:cSld>
-    <p:bg>
-      <p:bgPr>
-        <a:solidFill>
-          <a:schemeClr val="tx1"/>
-        </a:solidFill>
-        <a:effectLst/>
-      </p:bgPr>
-    </p:bg>
-    <p:spTree>
-      <p:nvGrpSpPr>
-        <p:cNvPr id="1" name=""/>
-        <p:cNvGrpSpPr/>
-        <p:nvPr/>
-      </p:nvGrpSpPr>
-      <p:grpSpPr>
-        <a:xfrm>
-          <a:off x="0" y="0"/>
-          <a:ext cx="0" cy="0"/>
-          <a:chOff x="0" y="0"/>
-          <a:chExt cx="0" cy="0"/>
-        </a:xfrm>
-      </p:grpSpPr>
-      <p:pic>
-        <p:nvPicPr>
-          <p:cNvPr id="6" name="Picture 5">
-            <a:extLst>
-              <a:ext uri="{FF2B5EF4-FFF2-40B4-BE49-F238E27FC236}">
-                <a16:creationId xmlns:a16="http://schemas.microsoft.com/office/drawing/2014/main" id="{88B264EB-DDFA-4F73-9BEB-21CB12312062}"/>
-              </a:ext>
-            </a:extLst>
-          </p:cNvPr>
-          <p:cNvPicPr>
-            <a:picLocks noChangeAspect="1"/>
-          </p:cNvPicPr>
-          <p:nvPr/>
-        </p:nvPicPr>
-        <p:blipFill>
-          <a:blip r:embed="rId2"/>
-          <a:stretch>
-            <a:fillRect/>
-          </a:stretch>
-        </p:blipFill>
-        <p:spPr>
-          <a:xfrm>
-            <a:off x="1000552" y="792810"/>
-            <a:ext cx="5534717" cy="4764710"/>
-          </a:xfrm>
-          <a:prstGeom prst="rect">
-            <a:avLst/>
-          </a:prstGeom>
-          <a:ln w="50800">
-            <a:solidFill>
-              <a:srgbClr val="70AD47">
-                <a:lumMod val="60000"/>
-                <a:lumOff val="40000"/>
-              </a:srgbClr>
-            </a:solidFill>
-          </a:ln>
-          <a:effectLst>
-            <a:outerShdw blurRad="50800" dist="127000" dir="2700000" algn="tl" rotWithShape="0">
-              <a:sysClr val="window" lastClr="FFFFFF">
-                <a:alpha val="40000"/>
-              </a:sysClr>
-            </a:outerShdw>
-          </a:effectLst>
-        </p:spPr>
-      </p:pic>
-      <p:sp>
-        <p:nvSpPr>
-          <p:cNvPr id="2" name="Title 1">
-            <a:extLst>
-              <a:ext uri="{FF2B5EF4-FFF2-40B4-BE49-F238E27FC236}">
-                <a16:creationId xmlns:a16="http://schemas.microsoft.com/office/drawing/2014/main" id="{54C7F764-8D4D-421D-979F-2C7A67DE064B}"/>
-              </a:ext>
-            </a:extLst>
-          </p:cNvPr>
-          <p:cNvSpPr>
-            <a:spLocks noGrp="1"/>
-          </p:cNvSpPr>
-          <p:nvPr>
-            <p:ph type="ctrTitle"/>
-          </p:nvPr>
-        </p:nvSpPr>
-        <p:spPr>
-          <a:xfrm>
-            <a:off x="145062" y="123804"/>
-            <a:ext cx="1263487" cy="369332"/>
-          </a:xfrm>
-          <a:gradFill>
-            <a:gsLst>
-              <a:gs pos="0">
-                <a:schemeClr val="accent1">
-                  <a:lumMod val="5000"/>
-                  <a:lumOff val="95000"/>
-                </a:schemeClr>
-              </a:gs>
-              <a:gs pos="74000">
-                <a:schemeClr val="accent1">
-                  <a:lumMod val="45000"/>
-                  <a:lumOff val="55000"/>
-                </a:schemeClr>
-              </a:gs>
-              <a:gs pos="83000">
-                <a:schemeClr val="accent1">
-                  <a:lumMod val="45000"/>
-                  <a:lumOff val="55000"/>
-                </a:schemeClr>
-              </a:gs>
-              <a:gs pos="100000">
-                <a:schemeClr val="accent1">
-                  <a:lumMod val="30000"/>
-                  <a:lumOff val="70000"/>
-                </a:schemeClr>
-              </a:gs>
-            </a:gsLst>
-            <a:lin ang="5400000" scaled="1"/>
-          </a:gradFill>
-          <a:ln w="25400">
-            <a:solidFill>
-              <a:schemeClr val="accent1"/>
-            </a:solidFill>
-          </a:ln>
-        </p:spPr>
-        <p:txBody>
-          <a:bodyPr vert="horz" wrap="none" lIns="91440" tIns="45720" rIns="91440" bIns="45720" rtlCol="0" anchor="t">
-            <a:spAutoFit/>
-          </a:bodyPr>
-          <a:lstStyle/>
-          <a:p>
-            <a:pPr algn="l"/>
-            <a:r>
-              <a:rPr lang="en-US" sz="2000" dirty="0">
-                <a:solidFill>
-                  <a:schemeClr val="bg2">
-                    <a:lumMod val="25000"/>
-                  </a:schemeClr>
-                </a:solidFill>
-                <a:sym typeface="Wingdings" panose="05000000000000000000" pitchFamily="2" charset="2"/>
-              </a:rPr>
-              <a:t>2.1 import</a:t>
-            </a:r>
-            <a:endParaRPr lang="en-US" sz="2000" dirty="0">
-              <a:solidFill>
-                <a:schemeClr val="bg2">
-                  <a:lumMod val="25000"/>
-                </a:schemeClr>
-              </a:solidFill>
-            </a:endParaRPr>
-          </a:p>
-        </p:txBody>
-      </p:sp>
-      <p:sp>
-        <p:nvSpPr>
-          <p:cNvPr id="5" name="Rectangle 4">
-            <a:extLst>
-              <a:ext uri="{FF2B5EF4-FFF2-40B4-BE49-F238E27FC236}">
-                <a16:creationId xmlns:a16="http://schemas.microsoft.com/office/drawing/2014/main" id="{D45E34D6-120F-44F6-96A2-17230046C2F4}"/>
-              </a:ext>
-            </a:extLst>
-          </p:cNvPr>
-          <p:cNvSpPr/>
-          <p:nvPr/>
-        </p:nvSpPr>
-        <p:spPr>
-          <a:xfrm>
-            <a:off x="145062" y="633528"/>
-            <a:ext cx="207692" cy="6048000"/>
-          </a:xfrm>
-          <a:prstGeom prst="rect">
-            <a:avLst/>
-          </a:prstGeom>
-          <a:solidFill>
-            <a:schemeClr val="tx1"/>
-          </a:solidFill>
-          <a:ln w="25400"/>
-          <a:effectLst>
-            <a:outerShdw blurRad="50800" dist="63500" dir="2700000" algn="tl" rotWithShape="0">
-              <a:schemeClr val="bg1">
-                <a:alpha val="40000"/>
-              </a:schemeClr>
-            </a:outerShdw>
-          </a:effectLst>
-        </p:spPr>
-        <p:style>
-          <a:lnRef idx="2">
-            <a:schemeClr val="accent1">
-              <a:shade val="50000"/>
-            </a:schemeClr>
-          </a:lnRef>
-          <a:fillRef idx="1">
-            <a:schemeClr val="accent1"/>
-          </a:fillRef>
-          <a:effectRef idx="0">
-            <a:schemeClr val="accent1"/>
-          </a:effectRef>
-          <a:fontRef idx="minor">
-            <a:schemeClr val="lt1"/>
-          </a:fontRef>
-        </p:style>
-        <p:txBody>
-          <a:bodyPr rtlCol="0" anchor="ctr"/>
-          <a:lstStyle/>
-          <a:p>
-            <a:pPr marL="0" marR="0" lvl="0" indent="0" algn="ctr" defTabSz="914400" rtl="0" eaLnBrk="1" fontAlgn="auto" latinLnBrk="0" hangingPunct="1">
-              <a:lnSpc>
-                <a:spcPct val="100000"/>
-              </a:lnSpc>
-              <a:spcBef>
-                <a:spcPts val="0"/>
-              </a:spcBef>
-              <a:spcAft>
-                <a:spcPts val="0"/>
-              </a:spcAft>
-              <a:buClrTx/>
-              <a:buSzTx/>
-              <a:buFontTx/>
-              <a:buNone/>
-              <a:tabLst/>
-              <a:defRPr/>
-            </a:pPr>
-            <a:endParaRPr kumimoji="0" lang="pt-PT" sz="1800" b="0" i="0" u="none" strike="noStrike" kern="1200" cap="none" spc="0" normalizeH="0" baseline="0" noProof="0">
-              <a:ln>
-                <a:noFill/>
-              </a:ln>
-              <a:solidFill>
-                <a:prstClr val="white"/>
-              </a:solidFill>
-              <a:effectLst/>
-              <a:uLnTx/>
-              <a:uFillTx/>
-              <a:latin typeface="Calibri" panose="020F0502020204030204"/>
-              <a:ea typeface="+mn-ea"/>
-              <a:cs typeface="+mn-cs"/>
-            </a:endParaRPr>
-          </a:p>
-        </p:txBody>
-      </p:sp>
-      <p:sp>
-        <p:nvSpPr>
-          <p:cNvPr id="8" name="Arrow: Right 5">
-            <a:extLst>
-              <a:ext uri="{FF2B5EF4-FFF2-40B4-BE49-F238E27FC236}">
-                <a16:creationId xmlns:a16="http://schemas.microsoft.com/office/drawing/2014/main" id="{B9CFDE67-358F-40AB-A205-0236CB52ADC0}"/>
-              </a:ext>
-            </a:extLst>
-          </p:cNvPr>
-          <p:cNvSpPr/>
-          <p:nvPr/>
-        </p:nvSpPr>
-        <p:spPr>
-          <a:xfrm>
-            <a:off x="261441" y="740052"/>
-            <a:ext cx="739111" cy="276999"/>
-          </a:xfrm>
-          <a:custGeom>
-            <a:avLst/>
-            <a:gdLst>
-              <a:gd name="connsiteX0" fmla="*/ 0 w 1727200"/>
-              <a:gd name="connsiteY0" fmla="*/ 119380 h 477520"/>
-              <a:gd name="connsiteX1" fmla="*/ 1488440 w 1727200"/>
-              <a:gd name="connsiteY1" fmla="*/ 119380 h 477520"/>
-              <a:gd name="connsiteX2" fmla="*/ 1488440 w 1727200"/>
-              <a:gd name="connsiteY2" fmla="*/ 0 h 477520"/>
-              <a:gd name="connsiteX3" fmla="*/ 1727200 w 1727200"/>
-              <a:gd name="connsiteY3" fmla="*/ 238760 h 477520"/>
-              <a:gd name="connsiteX4" fmla="*/ 1488440 w 1727200"/>
-              <a:gd name="connsiteY4" fmla="*/ 477520 h 477520"/>
-              <a:gd name="connsiteX5" fmla="*/ 1488440 w 1727200"/>
-              <a:gd name="connsiteY5" fmla="*/ 358140 h 477520"/>
-              <a:gd name="connsiteX6" fmla="*/ 0 w 1727200"/>
-              <a:gd name="connsiteY6" fmla="*/ 358140 h 477520"/>
-              <a:gd name="connsiteX7" fmla="*/ 0 w 1727200"/>
-              <a:gd name="connsiteY7" fmla="*/ 119380 h 477520"/>
-              <a:gd name="connsiteX0" fmla="*/ 0 w 1727200"/>
-              <a:gd name="connsiteY0" fmla="*/ 11803 h 369943"/>
-              <a:gd name="connsiteX1" fmla="*/ 1488440 w 1727200"/>
-              <a:gd name="connsiteY1" fmla="*/ 11803 h 369943"/>
-              <a:gd name="connsiteX2" fmla="*/ 1488440 w 1727200"/>
-              <a:gd name="connsiteY2" fmla="*/ 0 h 369943"/>
-              <a:gd name="connsiteX3" fmla="*/ 1727200 w 1727200"/>
-              <a:gd name="connsiteY3" fmla="*/ 131183 h 369943"/>
-              <a:gd name="connsiteX4" fmla="*/ 1488440 w 1727200"/>
-              <a:gd name="connsiteY4" fmla="*/ 369943 h 369943"/>
-              <a:gd name="connsiteX5" fmla="*/ 1488440 w 1727200"/>
-              <a:gd name="connsiteY5" fmla="*/ 250563 h 369943"/>
-              <a:gd name="connsiteX6" fmla="*/ 0 w 1727200"/>
-              <a:gd name="connsiteY6" fmla="*/ 250563 h 369943"/>
-              <a:gd name="connsiteX7" fmla="*/ 0 w 1727200"/>
-              <a:gd name="connsiteY7" fmla="*/ 11803 h 369943"/>
-              <a:gd name="connsiteX0" fmla="*/ 0 w 1727200"/>
-              <a:gd name="connsiteY0" fmla="*/ 0 h 358140"/>
-              <a:gd name="connsiteX1" fmla="*/ 1488440 w 1727200"/>
-              <a:gd name="connsiteY1" fmla="*/ 0 h 358140"/>
-              <a:gd name="connsiteX2" fmla="*/ 1497538 w 1727200"/>
-              <a:gd name="connsiteY2" fmla="*/ 6394 h 358140"/>
-              <a:gd name="connsiteX3" fmla="*/ 1727200 w 1727200"/>
-              <a:gd name="connsiteY3" fmla="*/ 119380 h 358140"/>
-              <a:gd name="connsiteX4" fmla="*/ 1488440 w 1727200"/>
-              <a:gd name="connsiteY4" fmla="*/ 358140 h 358140"/>
-              <a:gd name="connsiteX5" fmla="*/ 1488440 w 1727200"/>
-              <a:gd name="connsiteY5" fmla="*/ 238760 h 358140"/>
-              <a:gd name="connsiteX6" fmla="*/ 0 w 1727200"/>
-              <a:gd name="connsiteY6" fmla="*/ 238760 h 358140"/>
-              <a:gd name="connsiteX7" fmla="*/ 0 w 1727200"/>
-              <a:gd name="connsiteY7" fmla="*/ 0 h 358140"/>
-              <a:gd name="connsiteX0" fmla="*/ 0 w 1727200"/>
-              <a:gd name="connsiteY0" fmla="*/ 0 h 239859"/>
-              <a:gd name="connsiteX1" fmla="*/ 1488440 w 1727200"/>
-              <a:gd name="connsiteY1" fmla="*/ 0 h 239859"/>
-              <a:gd name="connsiteX2" fmla="*/ 1497538 w 1727200"/>
-              <a:gd name="connsiteY2" fmla="*/ 6394 h 239859"/>
-              <a:gd name="connsiteX3" fmla="*/ 1727200 w 1727200"/>
-              <a:gd name="connsiteY3" fmla="*/ 119380 h 239859"/>
-              <a:gd name="connsiteX4" fmla="*/ 1492989 w 1727200"/>
-              <a:gd name="connsiteY4" fmla="*/ 239859 h 239859"/>
-              <a:gd name="connsiteX5" fmla="*/ 1488440 w 1727200"/>
-              <a:gd name="connsiteY5" fmla="*/ 238760 h 239859"/>
-              <a:gd name="connsiteX6" fmla="*/ 0 w 1727200"/>
-              <a:gd name="connsiteY6" fmla="*/ 238760 h 239859"/>
-              <a:gd name="connsiteX7" fmla="*/ 0 w 1727200"/>
-              <a:gd name="connsiteY7" fmla="*/ 0 h 239859"/>
-            </a:gdLst>
-            <a:ahLst/>
-            <a:cxnLst>
-              <a:cxn ang="0">
-                <a:pos x="connsiteX0" y="connsiteY0"/>
-              </a:cxn>
-              <a:cxn ang="0">
-                <a:pos x="connsiteX1" y="connsiteY1"/>
-              </a:cxn>
-              <a:cxn ang="0">
-                <a:pos x="connsiteX2" y="connsiteY2"/>
-              </a:cxn>
-              <a:cxn ang="0">
-                <a:pos x="connsiteX3" y="connsiteY3"/>
-              </a:cxn>
-              <a:cxn ang="0">
-                <a:pos x="connsiteX4" y="connsiteY4"/>
-              </a:cxn>
-              <a:cxn ang="0">
-                <a:pos x="connsiteX5" y="connsiteY5"/>
-              </a:cxn>
-              <a:cxn ang="0">
-                <a:pos x="connsiteX6" y="connsiteY6"/>
-              </a:cxn>
-              <a:cxn ang="0">
-                <a:pos x="connsiteX7" y="connsiteY7"/>
-              </a:cxn>
-            </a:cxnLst>
-            <a:rect l="l" t="t" r="r" b="b"/>
-            <a:pathLst>
-              <a:path w="1727200" h="239859">
-                <a:moveTo>
-                  <a:pt x="0" y="0"/>
-                </a:moveTo>
-                <a:lnTo>
-                  <a:pt x="1488440" y="0"/>
-                </a:lnTo>
-                <a:lnTo>
-                  <a:pt x="1497538" y="6394"/>
-                </a:lnTo>
-                <a:lnTo>
-                  <a:pt x="1727200" y="119380"/>
-                </a:lnTo>
-                <a:lnTo>
-                  <a:pt x="1492989" y="239859"/>
-                </a:lnTo>
-                <a:lnTo>
-                  <a:pt x="1488440" y="238760"/>
-                </a:lnTo>
-                <a:lnTo>
-                  <a:pt x="0" y="238760"/>
-                </a:lnTo>
-                <a:lnTo>
-                  <a:pt x="0" y="0"/>
-                </a:lnTo>
-                <a:close/>
-              </a:path>
-            </a:pathLst>
-          </a:custGeom>
-          <a:solidFill>
-            <a:sysClr val="windowText" lastClr="000000"/>
-          </a:solidFill>
-          <a:ln w="25400" cap="flat" cmpd="sng" algn="ctr">
-            <a:solidFill>
-              <a:srgbClr val="FFC000">
-                <a:lumMod val="60000"/>
-                <a:lumOff val="40000"/>
-              </a:srgbClr>
-            </a:solidFill>
-            <a:prstDash val="solid"/>
-            <a:miter lim="800000"/>
-          </a:ln>
-          <a:effectLst>
-            <a:outerShdw blurRad="50800" dist="63500" dir="2700000" algn="tl" rotWithShape="0">
-              <a:sysClr val="window" lastClr="FFFFFF">
-                <a:alpha val="40000"/>
-              </a:sysClr>
-            </a:outerShdw>
-          </a:effectLst>
-        </p:spPr>
-        <p:txBody>
-          <a:bodyPr wrap="none" lIns="90000" tIns="0" rIns="180000" bIns="0" rtlCol="0" anchor="ctr">
-            <a:spAutoFit/>
-          </a:bodyPr>
-          <a:lstStyle/>
-          <a:p>
-            <a:pPr marL="0" marR="0" lvl="0" indent="0" defTabSz="914369" eaLnBrk="1" fontAlgn="auto" latinLnBrk="0" hangingPunct="1">
-              <a:lnSpc>
-                <a:spcPct val="100000"/>
-              </a:lnSpc>
-              <a:spcBef>
-                <a:spcPts val="0"/>
-              </a:spcBef>
-              <a:spcAft>
-                <a:spcPts val="0"/>
-              </a:spcAft>
-              <a:buClrTx/>
-              <a:buSzTx/>
-              <a:buFontTx/>
-              <a:buNone/>
-              <a:tabLst/>
-              <a:defRPr/>
-            </a:pPr>
-            <a:r>
-              <a:rPr kumimoji="0" lang="en-US" sz="1800" b="0" i="0" u="none" strike="noStrike" kern="0" cap="none" spc="0" normalizeH="0" baseline="0" noProof="0" dirty="0">
-                <a:ln>
-                  <a:noFill/>
-                </a:ln>
-                <a:solidFill>
-                  <a:prstClr val="white"/>
-                </a:solidFill>
-                <a:effectLst/>
-                <a:uLnTx/>
-                <a:uFillTx/>
-                <a:latin typeface="Calibri Light" panose="020F0302020204030204"/>
-              </a:rPr>
-              <a:t>what</a:t>
-            </a:r>
-          </a:p>
-        </p:txBody>
-      </p:sp>
-      <p:grpSp>
-        <p:nvGrpSpPr>
-          <p:cNvPr id="10" name="Group 9">
-            <a:extLst>
-              <a:ext uri="{FF2B5EF4-FFF2-40B4-BE49-F238E27FC236}">
-                <a16:creationId xmlns:a16="http://schemas.microsoft.com/office/drawing/2014/main" id="{D5F36DCF-CF47-4764-A43A-C215FF187584}"/>
-              </a:ext>
-            </a:extLst>
-          </p:cNvPr>
-          <p:cNvGrpSpPr/>
-          <p:nvPr/>
-        </p:nvGrpSpPr>
-        <p:grpSpPr>
-          <a:xfrm>
-            <a:off x="5943392" y="5734083"/>
-            <a:ext cx="673387" cy="246221"/>
-            <a:chOff x="5881666" y="1565584"/>
-            <a:chExt cx="673387" cy="246221"/>
-          </a:xfrm>
-        </p:grpSpPr>
-        <p:sp>
-          <p:nvSpPr>
-            <p:cNvPr id="11" name="Retângulo 5">
-              <a:extLst>
-                <a:ext uri="{FF2B5EF4-FFF2-40B4-BE49-F238E27FC236}">
-                  <a16:creationId xmlns:a16="http://schemas.microsoft.com/office/drawing/2014/main" id="{3EA3BE74-A651-4F4B-B950-67BB4DF54D51}"/>
-                </a:ext>
-              </a:extLst>
-            </p:cNvPr>
-            <p:cNvSpPr/>
-            <p:nvPr/>
-          </p:nvSpPr>
-          <p:spPr>
-            <a:xfrm>
-              <a:off x="6016123" y="1565584"/>
-              <a:ext cx="538930" cy="246221"/>
-            </a:xfrm>
-            <a:prstGeom prst="rect">
-              <a:avLst/>
-            </a:prstGeom>
-          </p:spPr>
-          <p:txBody>
-            <a:bodyPr wrap="none">
-              <a:spAutoFit/>
-            </a:bodyPr>
-            <a:lstStyle/>
-            <a:p>
-              <a:pPr marL="0" marR="0" lvl="0" indent="0" defTabSz="914369" eaLnBrk="1" fontAlgn="auto" latinLnBrk="0" hangingPunct="1">
-                <a:lnSpc>
-                  <a:spcPct val="100000"/>
-                </a:lnSpc>
-                <a:spcBef>
-                  <a:spcPts val="0"/>
-                </a:spcBef>
-                <a:spcAft>
-                  <a:spcPts val="0"/>
-                </a:spcAft>
-                <a:buClrTx/>
-                <a:buSzTx/>
-                <a:buFontTx/>
-                <a:buNone/>
-                <a:tabLst/>
-                <a:defRPr/>
-              </a:pPr>
-              <a:r>
-                <a:rPr kumimoji="0" lang="en-US" sz="1000" b="0" i="0" u="none" strike="noStrike" kern="0" cap="none" spc="0" normalizeH="0" baseline="0" noProof="0" dirty="0">
-                  <a:ln>
-                    <a:noFill/>
-                  </a:ln>
-                  <a:solidFill>
-                    <a:prstClr val="black"/>
-                  </a:solidFill>
-                  <a:effectLst/>
-                  <a:uLnTx/>
-                  <a:uFillTx/>
-                  <a:hlinkClick r:id="rId3"/>
-                </a:rPr>
-                <a:t>import</a:t>
-              </a:r>
-              <a:endParaRPr kumimoji="0" lang="en-US" sz="1000" b="0" i="0" u="none" strike="noStrike" kern="0" cap="none" spc="0" normalizeH="0" baseline="0" noProof="0" dirty="0">
-                <a:ln>
-                  <a:noFill/>
-                </a:ln>
-                <a:solidFill>
-                  <a:prstClr val="black"/>
-                </a:solidFill>
-                <a:effectLst/>
-                <a:uLnTx/>
-                <a:uFillTx/>
-              </a:endParaRPr>
-            </a:p>
-          </p:txBody>
-        </p:sp>
-        <p:pic>
-          <p:nvPicPr>
-            <p:cNvPr id="12" name="Picture 11" descr="Icon&#10;&#10;Description automatically generated">
-              <a:extLst>
-                <a:ext uri="{FF2B5EF4-FFF2-40B4-BE49-F238E27FC236}">
-                  <a16:creationId xmlns:a16="http://schemas.microsoft.com/office/drawing/2014/main" id="{C3A87B84-B481-4A71-AC5E-18443239CF7A}"/>
-                </a:ext>
-              </a:extLst>
-            </p:cNvPr>
-            <p:cNvPicPr>
-              <a:picLocks noChangeAspect="1"/>
-            </p:cNvPicPr>
-            <p:nvPr/>
-          </p:nvPicPr>
-          <p:blipFill>
-            <a:blip r:embed="rId4" cstate="print">
-              <a:extLst>
-                <a:ext uri="{28A0092B-C50C-407E-A947-70E740481C1C}">
-                  <a14:useLocalDpi xmlns:a14="http://schemas.microsoft.com/office/drawing/2010/main" val="0"/>
-                </a:ext>
-              </a:extLst>
-            </a:blip>
-            <a:stretch>
-              <a:fillRect/>
-            </a:stretch>
-          </p:blipFill>
-          <p:spPr>
-            <a:xfrm>
-              <a:off x="5881666" y="1590687"/>
-              <a:ext cx="180000" cy="180000"/>
-            </a:xfrm>
-            <a:prstGeom prst="rect">
-              <a:avLst/>
-            </a:prstGeom>
-          </p:spPr>
-        </p:pic>
-      </p:grpSp>
-    </p:spTree>
-    <p:extLst>
-      <p:ext uri="{BB962C8B-B14F-4D97-AF65-F5344CB8AC3E}">
-        <p14:creationId xmlns:p14="http://schemas.microsoft.com/office/powerpoint/2010/main" val="582493492"/>
-      </p:ext>
-    </p:extLst>
-  </p:cSld>
-  <p:clrMapOvr>
-    <a:masterClrMapping/>
-  </p:clrMapOvr>
-</p:sld>
-</file>
-
-<file path=ppt/slides/slide4.xml><?xml version="1.0" encoding="utf-8"?>
-<p:sld xmlns:a="http://schemas.openxmlformats.org/drawingml/2006/main" xmlns:r="http://schemas.openxmlformats.org/officeDocument/2006/relationships" xmlns:p="http://schemas.openxmlformats.org/presentationml/2006/main">
-  <p:cSld>
-    <p:bg>
-      <p:bgPr>
-        <a:solidFill>
-          <a:schemeClr val="tx1"/>
-        </a:solidFill>
-        <a:effectLst/>
-      </p:bgPr>
-    </p:bg>
-    <p:spTree>
-      <p:nvGrpSpPr>
-        <p:cNvPr id="1" name=""/>
-        <p:cNvGrpSpPr/>
-        <p:nvPr/>
-      </p:nvGrpSpPr>
-      <p:grpSpPr>
-        <a:xfrm>
-          <a:off x="0" y="0"/>
-          <a:ext cx="0" cy="0"/>
-          <a:chOff x="0" y="0"/>
-          <a:chExt cx="0" cy="0"/>
-        </a:xfrm>
-      </p:grpSpPr>
-      <p:pic>
-        <p:nvPicPr>
-          <p:cNvPr id="4" name="Picture 3">
-            <a:extLst>
-              <a:ext uri="{FF2B5EF4-FFF2-40B4-BE49-F238E27FC236}">
-                <a16:creationId xmlns:a16="http://schemas.microsoft.com/office/drawing/2014/main" id="{F173CC58-F46D-4CB6-8962-13FA97AD51FC}"/>
-              </a:ext>
-            </a:extLst>
-          </p:cNvPr>
-          <p:cNvPicPr>
-            <a:picLocks noChangeAspect="1"/>
-          </p:cNvPicPr>
-          <p:nvPr/>
-        </p:nvPicPr>
-        <p:blipFill>
-          <a:blip r:embed="rId2"/>
-          <a:stretch>
-            <a:fillRect/>
-          </a:stretch>
-        </p:blipFill>
-        <p:spPr>
-          <a:xfrm>
-            <a:off x="1000552" y="793045"/>
-            <a:ext cx="6655142" cy="2711589"/>
-          </a:xfrm>
-          <a:prstGeom prst="rect">
-            <a:avLst/>
-          </a:prstGeom>
-          <a:ln w="50800">
-            <a:solidFill>
-              <a:srgbClr val="70AD47">
-                <a:lumMod val="60000"/>
-                <a:lumOff val="40000"/>
-              </a:srgbClr>
-            </a:solidFill>
-          </a:ln>
-          <a:effectLst>
-            <a:outerShdw blurRad="50800" dist="127000" dir="2700000" algn="tl" rotWithShape="0">
-              <a:sysClr val="window" lastClr="FFFFFF">
-                <a:alpha val="40000"/>
-              </a:sysClr>
-            </a:outerShdw>
-          </a:effectLst>
-        </p:spPr>
-      </p:pic>
-      <p:sp>
-        <p:nvSpPr>
-          <p:cNvPr id="2" name="Title 1">
-            <a:extLst>
-              <a:ext uri="{FF2B5EF4-FFF2-40B4-BE49-F238E27FC236}">
-                <a16:creationId xmlns:a16="http://schemas.microsoft.com/office/drawing/2014/main" id="{54C7F764-8D4D-421D-979F-2C7A67DE064B}"/>
-              </a:ext>
-            </a:extLst>
-          </p:cNvPr>
-          <p:cNvSpPr>
-            <a:spLocks noGrp="1"/>
-          </p:cNvSpPr>
-          <p:nvPr>
-            <p:ph type="ctrTitle"/>
-          </p:nvPr>
-        </p:nvSpPr>
-        <p:spPr>
-          <a:xfrm>
-            <a:off x="145062" y="123804"/>
-            <a:ext cx="1242648" cy="369332"/>
-          </a:xfrm>
-          <a:gradFill>
-            <a:gsLst>
-              <a:gs pos="0">
-                <a:schemeClr val="accent1">
-                  <a:lumMod val="5000"/>
-                  <a:lumOff val="95000"/>
-                </a:schemeClr>
-              </a:gs>
-              <a:gs pos="74000">
-                <a:schemeClr val="accent1">
-                  <a:lumMod val="45000"/>
-                  <a:lumOff val="55000"/>
-                </a:schemeClr>
-              </a:gs>
-              <a:gs pos="83000">
-                <a:schemeClr val="accent1">
-                  <a:lumMod val="45000"/>
-                  <a:lumOff val="55000"/>
-                </a:schemeClr>
-              </a:gs>
-              <a:gs pos="100000">
-                <a:schemeClr val="accent1">
-                  <a:lumMod val="30000"/>
-                  <a:lumOff val="70000"/>
-                </a:schemeClr>
-              </a:gs>
-            </a:gsLst>
-            <a:lin ang="5400000" scaled="1"/>
-          </a:gradFill>
-          <a:ln w="25400">
-            <a:solidFill>
-              <a:schemeClr val="accent1"/>
-            </a:solidFill>
-          </a:ln>
-        </p:spPr>
-        <p:txBody>
-          <a:bodyPr vert="horz" wrap="none" lIns="91440" tIns="45720" rIns="91440" bIns="45720" rtlCol="0" anchor="t">
-            <a:spAutoFit/>
-          </a:bodyPr>
-          <a:lstStyle/>
-          <a:p>
-            <a:pPr algn="l"/>
-            <a:r>
-              <a:rPr lang="en-US" sz="2000" dirty="0">
-                <a:solidFill>
-                  <a:schemeClr val="bg2">
-                    <a:lumMod val="25000"/>
-                  </a:schemeClr>
-                </a:solidFill>
-                <a:sym typeface="Wingdings" panose="05000000000000000000" pitchFamily="2" charset="2"/>
-              </a:rPr>
-              <a:t>2.2 aliases</a:t>
-            </a:r>
-            <a:endParaRPr lang="en-US" sz="2000" dirty="0">
-              <a:solidFill>
-                <a:schemeClr val="bg2">
-                  <a:lumMod val="25000"/>
-                </a:schemeClr>
-              </a:solidFill>
-            </a:endParaRPr>
-          </a:p>
-        </p:txBody>
-      </p:sp>
-      <p:sp>
-        <p:nvSpPr>
-          <p:cNvPr id="5" name="Rectangle 4">
-            <a:extLst>
-              <a:ext uri="{FF2B5EF4-FFF2-40B4-BE49-F238E27FC236}">
-                <a16:creationId xmlns:a16="http://schemas.microsoft.com/office/drawing/2014/main" id="{D45E34D6-120F-44F6-96A2-17230046C2F4}"/>
-              </a:ext>
-            </a:extLst>
-          </p:cNvPr>
-          <p:cNvSpPr/>
-          <p:nvPr/>
-        </p:nvSpPr>
-        <p:spPr>
-          <a:xfrm>
-            <a:off x="145062" y="633528"/>
-            <a:ext cx="207692" cy="6048000"/>
-          </a:xfrm>
-          <a:prstGeom prst="rect">
-            <a:avLst/>
-          </a:prstGeom>
-          <a:solidFill>
-            <a:schemeClr val="tx1"/>
-          </a:solidFill>
-          <a:ln w="25400"/>
-          <a:effectLst>
-            <a:outerShdw blurRad="50800" dist="63500" dir="2700000" algn="tl" rotWithShape="0">
-              <a:schemeClr val="bg1">
-                <a:alpha val="40000"/>
-              </a:schemeClr>
-            </a:outerShdw>
-          </a:effectLst>
-        </p:spPr>
-        <p:style>
-          <a:lnRef idx="2">
-            <a:schemeClr val="accent1">
-              <a:shade val="50000"/>
-            </a:schemeClr>
-          </a:lnRef>
-          <a:fillRef idx="1">
-            <a:schemeClr val="accent1"/>
-          </a:fillRef>
-          <a:effectRef idx="0">
-            <a:schemeClr val="accent1"/>
-          </a:effectRef>
-          <a:fontRef idx="minor">
-            <a:schemeClr val="lt1"/>
-          </a:fontRef>
-        </p:style>
-        <p:txBody>
-          <a:bodyPr rtlCol="0" anchor="ctr"/>
-          <a:lstStyle/>
-          <a:p>
-            <a:pPr marL="0" marR="0" lvl="0" indent="0" algn="ctr" defTabSz="914400" rtl="0" eaLnBrk="1" fontAlgn="auto" latinLnBrk="0" hangingPunct="1">
-              <a:lnSpc>
-                <a:spcPct val="100000"/>
-              </a:lnSpc>
-              <a:spcBef>
-                <a:spcPts val="0"/>
-              </a:spcBef>
-              <a:spcAft>
-                <a:spcPts val="0"/>
-              </a:spcAft>
-              <a:buClrTx/>
-              <a:buSzTx/>
-              <a:buFontTx/>
-              <a:buNone/>
-              <a:tabLst/>
-              <a:defRPr/>
-            </a:pPr>
-            <a:endParaRPr kumimoji="0" lang="pt-PT" sz="1800" b="0" i="0" u="none" strike="noStrike" kern="1200" cap="none" spc="0" normalizeH="0" baseline="0" noProof="0">
-              <a:ln>
-                <a:noFill/>
-              </a:ln>
-              <a:solidFill>
-                <a:prstClr val="white"/>
-              </a:solidFill>
-              <a:effectLst/>
-              <a:uLnTx/>
-              <a:uFillTx/>
-              <a:latin typeface="Calibri" panose="020F0502020204030204"/>
-              <a:ea typeface="+mn-ea"/>
-              <a:cs typeface="+mn-cs"/>
-            </a:endParaRPr>
-          </a:p>
-        </p:txBody>
-      </p:sp>
-      <p:sp>
-        <p:nvSpPr>
-          <p:cNvPr id="8" name="Arrow: Right 5">
-            <a:extLst>
-              <a:ext uri="{FF2B5EF4-FFF2-40B4-BE49-F238E27FC236}">
-                <a16:creationId xmlns:a16="http://schemas.microsoft.com/office/drawing/2014/main" id="{B9CFDE67-358F-40AB-A205-0236CB52ADC0}"/>
-              </a:ext>
-            </a:extLst>
-          </p:cNvPr>
-          <p:cNvSpPr/>
-          <p:nvPr/>
-        </p:nvSpPr>
-        <p:spPr>
-          <a:xfrm>
-            <a:off x="261441" y="740052"/>
-            <a:ext cx="739111" cy="276999"/>
-          </a:xfrm>
-          <a:custGeom>
-            <a:avLst/>
-            <a:gdLst>
-              <a:gd name="connsiteX0" fmla="*/ 0 w 1727200"/>
-              <a:gd name="connsiteY0" fmla="*/ 119380 h 477520"/>
-              <a:gd name="connsiteX1" fmla="*/ 1488440 w 1727200"/>
-              <a:gd name="connsiteY1" fmla="*/ 119380 h 477520"/>
-              <a:gd name="connsiteX2" fmla="*/ 1488440 w 1727200"/>
-              <a:gd name="connsiteY2" fmla="*/ 0 h 477520"/>
-              <a:gd name="connsiteX3" fmla="*/ 1727200 w 1727200"/>
-              <a:gd name="connsiteY3" fmla="*/ 238760 h 477520"/>
-              <a:gd name="connsiteX4" fmla="*/ 1488440 w 1727200"/>
-              <a:gd name="connsiteY4" fmla="*/ 477520 h 477520"/>
-              <a:gd name="connsiteX5" fmla="*/ 1488440 w 1727200"/>
-              <a:gd name="connsiteY5" fmla="*/ 358140 h 477520"/>
-              <a:gd name="connsiteX6" fmla="*/ 0 w 1727200"/>
-              <a:gd name="connsiteY6" fmla="*/ 358140 h 477520"/>
-              <a:gd name="connsiteX7" fmla="*/ 0 w 1727200"/>
-              <a:gd name="connsiteY7" fmla="*/ 119380 h 477520"/>
-              <a:gd name="connsiteX0" fmla="*/ 0 w 1727200"/>
-              <a:gd name="connsiteY0" fmla="*/ 11803 h 369943"/>
-              <a:gd name="connsiteX1" fmla="*/ 1488440 w 1727200"/>
-              <a:gd name="connsiteY1" fmla="*/ 11803 h 369943"/>
-              <a:gd name="connsiteX2" fmla="*/ 1488440 w 1727200"/>
-              <a:gd name="connsiteY2" fmla="*/ 0 h 369943"/>
-              <a:gd name="connsiteX3" fmla="*/ 1727200 w 1727200"/>
-              <a:gd name="connsiteY3" fmla="*/ 131183 h 369943"/>
-              <a:gd name="connsiteX4" fmla="*/ 1488440 w 1727200"/>
-              <a:gd name="connsiteY4" fmla="*/ 369943 h 369943"/>
-              <a:gd name="connsiteX5" fmla="*/ 1488440 w 1727200"/>
-              <a:gd name="connsiteY5" fmla="*/ 250563 h 369943"/>
-              <a:gd name="connsiteX6" fmla="*/ 0 w 1727200"/>
-              <a:gd name="connsiteY6" fmla="*/ 250563 h 369943"/>
-              <a:gd name="connsiteX7" fmla="*/ 0 w 1727200"/>
-              <a:gd name="connsiteY7" fmla="*/ 11803 h 369943"/>
-              <a:gd name="connsiteX0" fmla="*/ 0 w 1727200"/>
-              <a:gd name="connsiteY0" fmla="*/ 0 h 358140"/>
-              <a:gd name="connsiteX1" fmla="*/ 1488440 w 1727200"/>
-              <a:gd name="connsiteY1" fmla="*/ 0 h 358140"/>
-              <a:gd name="connsiteX2" fmla="*/ 1497538 w 1727200"/>
-              <a:gd name="connsiteY2" fmla="*/ 6394 h 358140"/>
-              <a:gd name="connsiteX3" fmla="*/ 1727200 w 1727200"/>
-              <a:gd name="connsiteY3" fmla="*/ 119380 h 358140"/>
-              <a:gd name="connsiteX4" fmla="*/ 1488440 w 1727200"/>
-              <a:gd name="connsiteY4" fmla="*/ 358140 h 358140"/>
-              <a:gd name="connsiteX5" fmla="*/ 1488440 w 1727200"/>
-              <a:gd name="connsiteY5" fmla="*/ 238760 h 358140"/>
-              <a:gd name="connsiteX6" fmla="*/ 0 w 1727200"/>
-              <a:gd name="connsiteY6" fmla="*/ 238760 h 358140"/>
-              <a:gd name="connsiteX7" fmla="*/ 0 w 1727200"/>
-              <a:gd name="connsiteY7" fmla="*/ 0 h 358140"/>
-              <a:gd name="connsiteX0" fmla="*/ 0 w 1727200"/>
-              <a:gd name="connsiteY0" fmla="*/ 0 h 239859"/>
-              <a:gd name="connsiteX1" fmla="*/ 1488440 w 1727200"/>
-              <a:gd name="connsiteY1" fmla="*/ 0 h 239859"/>
-              <a:gd name="connsiteX2" fmla="*/ 1497538 w 1727200"/>
-              <a:gd name="connsiteY2" fmla="*/ 6394 h 239859"/>
-              <a:gd name="connsiteX3" fmla="*/ 1727200 w 1727200"/>
-              <a:gd name="connsiteY3" fmla="*/ 119380 h 239859"/>
-              <a:gd name="connsiteX4" fmla="*/ 1492989 w 1727200"/>
-              <a:gd name="connsiteY4" fmla="*/ 239859 h 239859"/>
-              <a:gd name="connsiteX5" fmla="*/ 1488440 w 1727200"/>
-              <a:gd name="connsiteY5" fmla="*/ 238760 h 239859"/>
-              <a:gd name="connsiteX6" fmla="*/ 0 w 1727200"/>
-              <a:gd name="connsiteY6" fmla="*/ 238760 h 239859"/>
-              <a:gd name="connsiteX7" fmla="*/ 0 w 1727200"/>
-              <a:gd name="connsiteY7" fmla="*/ 0 h 239859"/>
-            </a:gdLst>
-            <a:ahLst/>
-            <a:cxnLst>
-              <a:cxn ang="0">
-                <a:pos x="connsiteX0" y="connsiteY0"/>
-              </a:cxn>
-              <a:cxn ang="0">
-                <a:pos x="connsiteX1" y="connsiteY1"/>
-              </a:cxn>
-              <a:cxn ang="0">
-                <a:pos x="connsiteX2" y="connsiteY2"/>
-              </a:cxn>
-              <a:cxn ang="0">
-                <a:pos x="connsiteX3" y="connsiteY3"/>
-              </a:cxn>
-              <a:cxn ang="0">
-                <a:pos x="connsiteX4" y="connsiteY4"/>
-              </a:cxn>
-              <a:cxn ang="0">
-                <a:pos x="connsiteX5" y="connsiteY5"/>
-              </a:cxn>
-              <a:cxn ang="0">
-                <a:pos x="connsiteX6" y="connsiteY6"/>
-              </a:cxn>
-              <a:cxn ang="0">
-                <a:pos x="connsiteX7" y="connsiteY7"/>
-              </a:cxn>
-            </a:cxnLst>
-            <a:rect l="l" t="t" r="r" b="b"/>
-            <a:pathLst>
-              <a:path w="1727200" h="239859">
-                <a:moveTo>
-                  <a:pt x="0" y="0"/>
-                </a:moveTo>
-                <a:lnTo>
-                  <a:pt x="1488440" y="0"/>
-                </a:lnTo>
-                <a:lnTo>
-                  <a:pt x="1497538" y="6394"/>
-                </a:lnTo>
-                <a:lnTo>
-                  <a:pt x="1727200" y="119380"/>
-                </a:lnTo>
-                <a:lnTo>
-                  <a:pt x="1492989" y="239859"/>
-                </a:lnTo>
-                <a:lnTo>
-                  <a:pt x="1488440" y="238760"/>
-                </a:lnTo>
-                <a:lnTo>
-                  <a:pt x="0" y="238760"/>
-                </a:lnTo>
-                <a:lnTo>
-                  <a:pt x="0" y="0"/>
-                </a:lnTo>
-                <a:close/>
-              </a:path>
-            </a:pathLst>
-          </a:custGeom>
-          <a:solidFill>
-            <a:sysClr val="windowText" lastClr="000000"/>
-          </a:solidFill>
-          <a:ln w="25400" cap="flat" cmpd="sng" algn="ctr">
-            <a:solidFill>
-              <a:srgbClr val="FFC000">
-                <a:lumMod val="60000"/>
-                <a:lumOff val="40000"/>
-              </a:srgbClr>
-            </a:solidFill>
-            <a:prstDash val="solid"/>
-            <a:miter lim="800000"/>
-          </a:ln>
-          <a:effectLst>
-            <a:outerShdw blurRad="50800" dist="63500" dir="2700000" algn="tl" rotWithShape="0">
-              <a:sysClr val="window" lastClr="FFFFFF">
-                <a:alpha val="40000"/>
-              </a:sysClr>
-            </a:outerShdw>
-          </a:effectLst>
-        </p:spPr>
-        <p:txBody>
-          <a:bodyPr wrap="none" lIns="90000" tIns="0" rIns="180000" bIns="0" rtlCol="0" anchor="ctr">
-            <a:spAutoFit/>
-          </a:bodyPr>
-          <a:lstStyle/>
-          <a:p>
-            <a:pPr marL="0" marR="0" lvl="0" indent="0" defTabSz="914369" eaLnBrk="1" fontAlgn="auto" latinLnBrk="0" hangingPunct="1">
-              <a:lnSpc>
-                <a:spcPct val="100000"/>
-              </a:lnSpc>
-              <a:spcBef>
-                <a:spcPts val="0"/>
-              </a:spcBef>
-              <a:spcAft>
-                <a:spcPts val="0"/>
-              </a:spcAft>
-              <a:buClrTx/>
-              <a:buSzTx/>
-              <a:buFontTx/>
-              <a:buNone/>
-              <a:tabLst/>
-              <a:defRPr/>
-            </a:pPr>
-            <a:r>
-              <a:rPr kumimoji="0" lang="en-US" sz="1800" b="0" i="0" u="none" strike="noStrike" kern="0" cap="none" spc="0" normalizeH="0" baseline="0" noProof="0" dirty="0">
-                <a:ln>
-                  <a:noFill/>
-                </a:ln>
-                <a:solidFill>
-                  <a:prstClr val="white"/>
-                </a:solidFill>
-                <a:effectLst/>
-                <a:uLnTx/>
-                <a:uFillTx/>
-                <a:latin typeface="Calibri Light" panose="020F0302020204030204"/>
-              </a:rPr>
-              <a:t>what</a:t>
-            </a:r>
-          </a:p>
-        </p:txBody>
-      </p:sp>
-      <p:grpSp>
-        <p:nvGrpSpPr>
-          <p:cNvPr id="10" name="Group 9">
-            <a:extLst>
-              <a:ext uri="{FF2B5EF4-FFF2-40B4-BE49-F238E27FC236}">
-                <a16:creationId xmlns:a16="http://schemas.microsoft.com/office/drawing/2014/main" id="{D5F36DCF-CF47-4764-A43A-C215FF187584}"/>
-              </a:ext>
-            </a:extLst>
-          </p:cNvPr>
-          <p:cNvGrpSpPr/>
-          <p:nvPr/>
-        </p:nvGrpSpPr>
-        <p:grpSpPr>
-          <a:xfrm>
-            <a:off x="6725712" y="3732563"/>
-            <a:ext cx="1048490" cy="246221"/>
-            <a:chOff x="5881666" y="1565584"/>
-            <a:chExt cx="1048490" cy="246221"/>
-          </a:xfrm>
-        </p:grpSpPr>
-        <p:sp>
-          <p:nvSpPr>
-            <p:cNvPr id="11" name="Retângulo 5">
-              <a:extLst>
-                <a:ext uri="{FF2B5EF4-FFF2-40B4-BE49-F238E27FC236}">
-                  <a16:creationId xmlns:a16="http://schemas.microsoft.com/office/drawing/2014/main" id="{3EA3BE74-A651-4F4B-B950-67BB4DF54D51}"/>
-                </a:ext>
-              </a:extLst>
-            </p:cNvPr>
-            <p:cNvSpPr/>
-            <p:nvPr/>
-          </p:nvSpPr>
-          <p:spPr>
-            <a:xfrm>
-              <a:off x="6016123" y="1565584"/>
-              <a:ext cx="914033" cy="246221"/>
-            </a:xfrm>
-            <a:prstGeom prst="rect">
-              <a:avLst/>
-            </a:prstGeom>
-          </p:spPr>
-          <p:txBody>
-            <a:bodyPr wrap="none">
-              <a:spAutoFit/>
-            </a:bodyPr>
-            <a:lstStyle/>
-            <a:p>
-              <a:pPr marL="0" marR="0" lvl="0" indent="0" defTabSz="914369" eaLnBrk="1" fontAlgn="auto" latinLnBrk="0" hangingPunct="1">
-                <a:lnSpc>
-                  <a:spcPct val="100000"/>
-                </a:lnSpc>
-                <a:spcBef>
-                  <a:spcPts val="0"/>
-                </a:spcBef>
-                <a:spcAft>
-                  <a:spcPts val="0"/>
-                </a:spcAft>
-                <a:buClrTx/>
-                <a:buSzTx/>
-                <a:buFontTx/>
-                <a:buNone/>
-                <a:tabLst/>
-                <a:defRPr/>
-              </a:pPr>
-              <a:r>
-                <a:rPr kumimoji="0" lang="en-US" sz="1000" b="0" i="0" u="none" strike="noStrike" kern="0" cap="none" spc="0" normalizeH="0" baseline="0" noProof="0" dirty="0">
-                  <a:ln>
-                    <a:noFill/>
-                  </a:ln>
-                  <a:solidFill>
-                    <a:prstClr val="black"/>
-                  </a:solidFill>
-                  <a:effectLst/>
-                  <a:uLnTx/>
-                  <a:uFillTx/>
-                  <a:hlinkClick r:id="rId3"/>
-                </a:rPr>
-                <a:t>Import aliases</a:t>
-              </a:r>
-              <a:endParaRPr kumimoji="0" lang="en-US" sz="1000" b="0" i="0" u="none" strike="noStrike" kern="0" cap="none" spc="0" normalizeH="0" baseline="0" noProof="0" dirty="0">
-                <a:ln>
-                  <a:noFill/>
-                </a:ln>
-                <a:solidFill>
-                  <a:prstClr val="black"/>
-                </a:solidFill>
-                <a:effectLst/>
-                <a:uLnTx/>
-                <a:uFillTx/>
-              </a:endParaRPr>
-            </a:p>
-          </p:txBody>
-        </p:sp>
-        <p:pic>
-          <p:nvPicPr>
-            <p:cNvPr id="12" name="Picture 11" descr="Icon&#10;&#10;Description automatically generated">
-              <a:extLst>
-                <a:ext uri="{FF2B5EF4-FFF2-40B4-BE49-F238E27FC236}">
-                  <a16:creationId xmlns:a16="http://schemas.microsoft.com/office/drawing/2014/main" id="{C3A87B84-B481-4A71-AC5E-18443239CF7A}"/>
-                </a:ext>
-              </a:extLst>
-            </p:cNvPr>
-            <p:cNvPicPr>
-              <a:picLocks noChangeAspect="1"/>
-            </p:cNvPicPr>
-            <p:nvPr/>
-          </p:nvPicPr>
-          <p:blipFill>
-            <a:blip r:embed="rId4" cstate="print">
-              <a:extLst>
-                <a:ext uri="{28A0092B-C50C-407E-A947-70E740481C1C}">
-                  <a14:useLocalDpi xmlns:a14="http://schemas.microsoft.com/office/drawing/2010/main" val="0"/>
-                </a:ext>
-              </a:extLst>
-            </a:blip>
-            <a:stretch>
-              <a:fillRect/>
-            </a:stretch>
-          </p:blipFill>
-          <p:spPr>
-            <a:xfrm>
-              <a:off x="5881666" y="1590687"/>
-              <a:ext cx="180000" cy="180000"/>
-            </a:xfrm>
-            <a:prstGeom prst="rect">
-              <a:avLst/>
-            </a:prstGeom>
-          </p:spPr>
-        </p:pic>
-      </p:grpSp>
-    </p:spTree>
-    <p:extLst>
-      <p:ext uri="{BB962C8B-B14F-4D97-AF65-F5344CB8AC3E}">
-        <p14:creationId xmlns:p14="http://schemas.microsoft.com/office/powerpoint/2010/main" val="3408195988"/>
-      </p:ext>
-    </p:extLst>
-  </p:cSld>
-  <p:clrMapOvr>
-    <a:masterClrMapping/>
-  </p:clrMapOvr>
-</p:sld>
-</file>
-
-<file path=ppt/slides/slide5.xml><?xml version="1.0" encoding="utf-8"?>
-<p:sld xmlns:a="http://schemas.openxmlformats.org/drawingml/2006/main" xmlns:r="http://schemas.openxmlformats.org/officeDocument/2006/relationships" xmlns:p="http://schemas.openxmlformats.org/presentationml/2006/main">
-  <p:cSld>
-    <p:bg>
-      <p:bgPr>
-        <a:solidFill>
-          <a:schemeClr val="tx1"/>
-        </a:solidFill>
-        <a:effectLst/>
-      </p:bgPr>
-    </p:bg>
-    <p:spTree>
-      <p:nvGrpSpPr>
-        <p:cNvPr id="1" name=""/>
-        <p:cNvGrpSpPr/>
-        <p:nvPr/>
-      </p:nvGrpSpPr>
-      <p:grpSpPr>
-        <a:xfrm>
-          <a:off x="0" y="0"/>
-          <a:ext cx="0" cy="0"/>
-          <a:chOff x="0" y="0"/>
-          <a:chExt cx="0" cy="0"/>
-        </a:xfrm>
-      </p:grpSpPr>
-      <p:pic>
-        <p:nvPicPr>
-          <p:cNvPr id="4" name="Picture 3">
-            <a:extLst>
-              <a:ext uri="{FF2B5EF4-FFF2-40B4-BE49-F238E27FC236}">
-                <a16:creationId xmlns:a16="http://schemas.microsoft.com/office/drawing/2014/main" id="{35EC8266-11F1-43FF-A8B6-F4913F03456D}"/>
-              </a:ext>
-            </a:extLst>
-          </p:cNvPr>
-          <p:cNvPicPr>
-            <a:picLocks noChangeAspect="1"/>
-          </p:cNvPicPr>
-          <p:nvPr/>
-        </p:nvPicPr>
-        <p:blipFill>
-          <a:blip r:embed="rId2"/>
-          <a:stretch>
-            <a:fillRect/>
-          </a:stretch>
-        </p:blipFill>
-        <p:spPr>
-          <a:xfrm>
-            <a:off x="1000552" y="740052"/>
-            <a:ext cx="6631695" cy="4318961"/>
-          </a:xfrm>
-          <a:prstGeom prst="rect">
-            <a:avLst/>
-          </a:prstGeom>
-          <a:ln w="50800">
-            <a:solidFill>
-              <a:srgbClr val="70AD47">
-                <a:lumMod val="60000"/>
-                <a:lumOff val="40000"/>
-              </a:srgbClr>
-            </a:solidFill>
-          </a:ln>
-          <a:effectLst>
-            <a:outerShdw blurRad="50800" dist="127000" dir="2700000" algn="tl" rotWithShape="0">
-              <a:sysClr val="window" lastClr="FFFFFF">
-                <a:alpha val="40000"/>
-              </a:sysClr>
-            </a:outerShdw>
-          </a:effectLst>
-        </p:spPr>
-      </p:pic>
-      <p:sp>
-        <p:nvSpPr>
-          <p:cNvPr id="2" name="Title 1">
-            <a:extLst>
-              <a:ext uri="{FF2B5EF4-FFF2-40B4-BE49-F238E27FC236}">
-                <a16:creationId xmlns:a16="http://schemas.microsoft.com/office/drawing/2014/main" id="{54C7F764-8D4D-421D-979F-2C7A67DE064B}"/>
-              </a:ext>
-            </a:extLst>
-          </p:cNvPr>
-          <p:cNvSpPr>
-            <a:spLocks noGrp="1"/>
-          </p:cNvSpPr>
-          <p:nvPr>
-            <p:ph type="ctrTitle"/>
-          </p:nvPr>
-        </p:nvSpPr>
-        <p:spPr>
-          <a:xfrm>
-            <a:off x="145062" y="123804"/>
-            <a:ext cx="1247457" cy="369332"/>
-          </a:xfrm>
-          <a:gradFill>
-            <a:gsLst>
-              <a:gs pos="0">
-                <a:schemeClr val="accent1">
-                  <a:lumMod val="5000"/>
-                  <a:lumOff val="95000"/>
-                </a:schemeClr>
-              </a:gs>
-              <a:gs pos="74000">
-                <a:schemeClr val="accent1">
-                  <a:lumMod val="45000"/>
-                  <a:lumOff val="55000"/>
-                </a:schemeClr>
-              </a:gs>
-              <a:gs pos="83000">
-                <a:schemeClr val="accent1">
-                  <a:lumMod val="45000"/>
-                  <a:lumOff val="55000"/>
-                </a:schemeClr>
-              </a:gs>
-              <a:gs pos="100000">
-                <a:schemeClr val="accent1">
-                  <a:lumMod val="30000"/>
-                  <a:lumOff val="70000"/>
-                </a:schemeClr>
-              </a:gs>
-            </a:gsLst>
-            <a:lin ang="5400000" scaled="1"/>
-          </a:gradFill>
-          <a:ln w="25400">
-            <a:solidFill>
-              <a:schemeClr val="accent1"/>
-            </a:solidFill>
-          </a:ln>
-        </p:spPr>
-        <p:txBody>
-          <a:bodyPr vert="horz" wrap="none" lIns="91440" tIns="45720" rIns="91440" bIns="45720" rtlCol="0" anchor="t">
-            <a:spAutoFit/>
-          </a:bodyPr>
-          <a:lstStyle/>
-          <a:p>
-            <a:pPr algn="l"/>
-            <a:r>
-              <a:rPr lang="en-US" sz="2000" dirty="0">
-                <a:solidFill>
-                  <a:schemeClr val="bg2">
-                    <a:lumMod val="25000"/>
-                  </a:schemeClr>
-                </a:solidFill>
-                <a:sym typeface="Wingdings" panose="05000000000000000000" pitchFamily="2" charset="2"/>
-              </a:rPr>
-              <a:t>2.3 names</a:t>
-            </a:r>
-            <a:endParaRPr lang="en-US" sz="2000" dirty="0">
-              <a:solidFill>
-                <a:schemeClr val="bg2">
-                  <a:lumMod val="25000"/>
-                </a:schemeClr>
-              </a:solidFill>
-            </a:endParaRPr>
-          </a:p>
-        </p:txBody>
-      </p:sp>
-      <p:sp>
-        <p:nvSpPr>
-          <p:cNvPr id="5" name="Rectangle 4">
-            <a:extLst>
-              <a:ext uri="{FF2B5EF4-FFF2-40B4-BE49-F238E27FC236}">
-                <a16:creationId xmlns:a16="http://schemas.microsoft.com/office/drawing/2014/main" id="{D45E34D6-120F-44F6-96A2-17230046C2F4}"/>
-              </a:ext>
-            </a:extLst>
-          </p:cNvPr>
-          <p:cNvSpPr/>
-          <p:nvPr/>
-        </p:nvSpPr>
-        <p:spPr>
-          <a:xfrm>
-            <a:off x="145062" y="633528"/>
-            <a:ext cx="207692" cy="6048000"/>
-          </a:xfrm>
-          <a:prstGeom prst="rect">
-            <a:avLst/>
-          </a:prstGeom>
-          <a:solidFill>
-            <a:schemeClr val="tx1"/>
-          </a:solidFill>
-          <a:ln w="25400"/>
-          <a:effectLst>
-            <a:outerShdw blurRad="50800" dist="63500" dir="2700000" algn="tl" rotWithShape="0">
-              <a:schemeClr val="bg1">
-                <a:alpha val="40000"/>
-              </a:schemeClr>
-            </a:outerShdw>
-          </a:effectLst>
-        </p:spPr>
-        <p:style>
-          <a:lnRef idx="2">
-            <a:schemeClr val="accent1">
-              <a:shade val="50000"/>
-            </a:schemeClr>
-          </a:lnRef>
-          <a:fillRef idx="1">
-            <a:schemeClr val="accent1"/>
-          </a:fillRef>
-          <a:effectRef idx="0">
-            <a:schemeClr val="accent1"/>
-          </a:effectRef>
-          <a:fontRef idx="minor">
-            <a:schemeClr val="lt1"/>
-          </a:fontRef>
-        </p:style>
-        <p:txBody>
-          <a:bodyPr rtlCol="0" anchor="ctr"/>
-          <a:lstStyle/>
-          <a:p>
-            <a:pPr marL="0" marR="0" lvl="0" indent="0" algn="ctr" defTabSz="914400" rtl="0" eaLnBrk="1" fontAlgn="auto" latinLnBrk="0" hangingPunct="1">
-              <a:lnSpc>
-                <a:spcPct val="100000"/>
-              </a:lnSpc>
-              <a:spcBef>
-                <a:spcPts val="0"/>
-              </a:spcBef>
-              <a:spcAft>
-                <a:spcPts val="0"/>
-              </a:spcAft>
-              <a:buClrTx/>
-              <a:buSzTx/>
-              <a:buFontTx/>
-              <a:buNone/>
-              <a:tabLst/>
-              <a:defRPr/>
-            </a:pPr>
-            <a:endParaRPr kumimoji="0" lang="pt-PT" sz="1800" b="0" i="0" u="none" strike="noStrike" kern="1200" cap="none" spc="0" normalizeH="0" baseline="0" noProof="0">
-              <a:ln>
-                <a:noFill/>
-              </a:ln>
-              <a:solidFill>
-                <a:prstClr val="white"/>
-              </a:solidFill>
-              <a:effectLst/>
-              <a:uLnTx/>
-              <a:uFillTx/>
-              <a:latin typeface="Calibri" panose="020F0502020204030204"/>
-              <a:ea typeface="+mn-ea"/>
-              <a:cs typeface="+mn-cs"/>
-            </a:endParaRPr>
-          </a:p>
-        </p:txBody>
-      </p:sp>
-      <p:sp>
-        <p:nvSpPr>
-          <p:cNvPr id="8" name="Arrow: Right 5">
-            <a:extLst>
-              <a:ext uri="{FF2B5EF4-FFF2-40B4-BE49-F238E27FC236}">
-                <a16:creationId xmlns:a16="http://schemas.microsoft.com/office/drawing/2014/main" id="{B9CFDE67-358F-40AB-A205-0236CB52ADC0}"/>
-              </a:ext>
-            </a:extLst>
-          </p:cNvPr>
-          <p:cNvSpPr/>
-          <p:nvPr/>
-        </p:nvSpPr>
-        <p:spPr>
-          <a:xfrm>
-            <a:off x="261441" y="740052"/>
-            <a:ext cx="739111" cy="276999"/>
-          </a:xfrm>
-          <a:custGeom>
-            <a:avLst/>
-            <a:gdLst>
-              <a:gd name="connsiteX0" fmla="*/ 0 w 1727200"/>
-              <a:gd name="connsiteY0" fmla="*/ 119380 h 477520"/>
-              <a:gd name="connsiteX1" fmla="*/ 1488440 w 1727200"/>
-              <a:gd name="connsiteY1" fmla="*/ 119380 h 477520"/>
-              <a:gd name="connsiteX2" fmla="*/ 1488440 w 1727200"/>
-              <a:gd name="connsiteY2" fmla="*/ 0 h 477520"/>
-              <a:gd name="connsiteX3" fmla="*/ 1727200 w 1727200"/>
-              <a:gd name="connsiteY3" fmla="*/ 238760 h 477520"/>
-              <a:gd name="connsiteX4" fmla="*/ 1488440 w 1727200"/>
-              <a:gd name="connsiteY4" fmla="*/ 477520 h 477520"/>
-              <a:gd name="connsiteX5" fmla="*/ 1488440 w 1727200"/>
-              <a:gd name="connsiteY5" fmla="*/ 358140 h 477520"/>
-              <a:gd name="connsiteX6" fmla="*/ 0 w 1727200"/>
-              <a:gd name="connsiteY6" fmla="*/ 358140 h 477520"/>
-              <a:gd name="connsiteX7" fmla="*/ 0 w 1727200"/>
-              <a:gd name="connsiteY7" fmla="*/ 119380 h 477520"/>
-              <a:gd name="connsiteX0" fmla="*/ 0 w 1727200"/>
-              <a:gd name="connsiteY0" fmla="*/ 11803 h 369943"/>
-              <a:gd name="connsiteX1" fmla="*/ 1488440 w 1727200"/>
-              <a:gd name="connsiteY1" fmla="*/ 11803 h 369943"/>
-              <a:gd name="connsiteX2" fmla="*/ 1488440 w 1727200"/>
-              <a:gd name="connsiteY2" fmla="*/ 0 h 369943"/>
-              <a:gd name="connsiteX3" fmla="*/ 1727200 w 1727200"/>
-              <a:gd name="connsiteY3" fmla="*/ 131183 h 369943"/>
-              <a:gd name="connsiteX4" fmla="*/ 1488440 w 1727200"/>
-              <a:gd name="connsiteY4" fmla="*/ 369943 h 369943"/>
-              <a:gd name="connsiteX5" fmla="*/ 1488440 w 1727200"/>
-              <a:gd name="connsiteY5" fmla="*/ 250563 h 369943"/>
-              <a:gd name="connsiteX6" fmla="*/ 0 w 1727200"/>
-              <a:gd name="connsiteY6" fmla="*/ 250563 h 369943"/>
-              <a:gd name="connsiteX7" fmla="*/ 0 w 1727200"/>
-              <a:gd name="connsiteY7" fmla="*/ 11803 h 369943"/>
-              <a:gd name="connsiteX0" fmla="*/ 0 w 1727200"/>
-              <a:gd name="connsiteY0" fmla="*/ 0 h 358140"/>
-              <a:gd name="connsiteX1" fmla="*/ 1488440 w 1727200"/>
-              <a:gd name="connsiteY1" fmla="*/ 0 h 358140"/>
-              <a:gd name="connsiteX2" fmla="*/ 1497538 w 1727200"/>
-              <a:gd name="connsiteY2" fmla="*/ 6394 h 358140"/>
-              <a:gd name="connsiteX3" fmla="*/ 1727200 w 1727200"/>
-              <a:gd name="connsiteY3" fmla="*/ 119380 h 358140"/>
-              <a:gd name="connsiteX4" fmla="*/ 1488440 w 1727200"/>
-              <a:gd name="connsiteY4" fmla="*/ 358140 h 358140"/>
-              <a:gd name="connsiteX5" fmla="*/ 1488440 w 1727200"/>
-              <a:gd name="connsiteY5" fmla="*/ 238760 h 358140"/>
-              <a:gd name="connsiteX6" fmla="*/ 0 w 1727200"/>
-              <a:gd name="connsiteY6" fmla="*/ 238760 h 358140"/>
-              <a:gd name="connsiteX7" fmla="*/ 0 w 1727200"/>
-              <a:gd name="connsiteY7" fmla="*/ 0 h 358140"/>
-              <a:gd name="connsiteX0" fmla="*/ 0 w 1727200"/>
-              <a:gd name="connsiteY0" fmla="*/ 0 h 239859"/>
-              <a:gd name="connsiteX1" fmla="*/ 1488440 w 1727200"/>
-              <a:gd name="connsiteY1" fmla="*/ 0 h 239859"/>
-              <a:gd name="connsiteX2" fmla="*/ 1497538 w 1727200"/>
-              <a:gd name="connsiteY2" fmla="*/ 6394 h 239859"/>
-              <a:gd name="connsiteX3" fmla="*/ 1727200 w 1727200"/>
-              <a:gd name="connsiteY3" fmla="*/ 119380 h 239859"/>
-              <a:gd name="connsiteX4" fmla="*/ 1492989 w 1727200"/>
-              <a:gd name="connsiteY4" fmla="*/ 239859 h 239859"/>
-              <a:gd name="connsiteX5" fmla="*/ 1488440 w 1727200"/>
-              <a:gd name="connsiteY5" fmla="*/ 238760 h 239859"/>
-              <a:gd name="connsiteX6" fmla="*/ 0 w 1727200"/>
-              <a:gd name="connsiteY6" fmla="*/ 238760 h 239859"/>
-              <a:gd name="connsiteX7" fmla="*/ 0 w 1727200"/>
-              <a:gd name="connsiteY7" fmla="*/ 0 h 239859"/>
-            </a:gdLst>
-            <a:ahLst/>
-            <a:cxnLst>
-              <a:cxn ang="0">
-                <a:pos x="connsiteX0" y="connsiteY0"/>
-              </a:cxn>
-              <a:cxn ang="0">
-                <a:pos x="connsiteX1" y="connsiteY1"/>
-              </a:cxn>
-              <a:cxn ang="0">
-                <a:pos x="connsiteX2" y="connsiteY2"/>
-              </a:cxn>
-              <a:cxn ang="0">
-                <a:pos x="connsiteX3" y="connsiteY3"/>
-              </a:cxn>
-              <a:cxn ang="0">
-                <a:pos x="connsiteX4" y="connsiteY4"/>
-              </a:cxn>
-              <a:cxn ang="0">
-                <a:pos x="connsiteX5" y="connsiteY5"/>
-              </a:cxn>
-              <a:cxn ang="0">
-                <a:pos x="connsiteX6" y="connsiteY6"/>
-              </a:cxn>
-              <a:cxn ang="0">
-                <a:pos x="connsiteX7" y="connsiteY7"/>
-              </a:cxn>
-            </a:cxnLst>
-            <a:rect l="l" t="t" r="r" b="b"/>
-            <a:pathLst>
-              <a:path w="1727200" h="239859">
-                <a:moveTo>
-                  <a:pt x="0" y="0"/>
-                </a:moveTo>
-                <a:lnTo>
-                  <a:pt x="1488440" y="0"/>
-                </a:lnTo>
-                <a:lnTo>
-                  <a:pt x="1497538" y="6394"/>
-                </a:lnTo>
-                <a:lnTo>
-                  <a:pt x="1727200" y="119380"/>
-                </a:lnTo>
-                <a:lnTo>
-                  <a:pt x="1492989" y="239859"/>
-                </a:lnTo>
-                <a:lnTo>
-                  <a:pt x="1488440" y="238760"/>
-                </a:lnTo>
-                <a:lnTo>
-                  <a:pt x="0" y="238760"/>
-                </a:lnTo>
-                <a:lnTo>
-                  <a:pt x="0" y="0"/>
-                </a:lnTo>
-                <a:close/>
-              </a:path>
-            </a:pathLst>
-          </a:custGeom>
-          <a:solidFill>
-            <a:sysClr val="windowText" lastClr="000000"/>
-          </a:solidFill>
-          <a:ln w="25400" cap="flat" cmpd="sng" algn="ctr">
-            <a:solidFill>
-              <a:srgbClr val="FFC000">
-                <a:lumMod val="60000"/>
-                <a:lumOff val="40000"/>
-              </a:srgbClr>
-            </a:solidFill>
-            <a:prstDash val="solid"/>
-            <a:miter lim="800000"/>
-          </a:ln>
-          <a:effectLst>
-            <a:outerShdw blurRad="50800" dist="63500" dir="2700000" algn="tl" rotWithShape="0">
-              <a:sysClr val="window" lastClr="FFFFFF">
-                <a:alpha val="40000"/>
-              </a:sysClr>
-            </a:outerShdw>
-          </a:effectLst>
-        </p:spPr>
-        <p:txBody>
-          <a:bodyPr wrap="none" lIns="90000" tIns="0" rIns="180000" bIns="0" rtlCol="0" anchor="ctr">
-            <a:spAutoFit/>
-          </a:bodyPr>
-          <a:lstStyle/>
-          <a:p>
-            <a:pPr marL="0" marR="0" lvl="0" indent="0" defTabSz="914369" eaLnBrk="1" fontAlgn="auto" latinLnBrk="0" hangingPunct="1">
-              <a:lnSpc>
-                <a:spcPct val="100000"/>
-              </a:lnSpc>
-              <a:spcBef>
-                <a:spcPts val="0"/>
-              </a:spcBef>
-              <a:spcAft>
-                <a:spcPts val="0"/>
-              </a:spcAft>
-              <a:buClrTx/>
-              <a:buSzTx/>
-              <a:buFontTx/>
-              <a:buNone/>
-              <a:tabLst/>
-              <a:defRPr/>
-            </a:pPr>
-            <a:r>
-              <a:rPr kumimoji="0" lang="en-US" sz="1800" b="0" i="0" u="none" strike="noStrike" kern="0" cap="none" spc="0" normalizeH="0" baseline="0" noProof="0" dirty="0">
-                <a:ln>
-                  <a:noFill/>
-                </a:ln>
-                <a:solidFill>
-                  <a:prstClr val="white"/>
-                </a:solidFill>
-                <a:effectLst/>
-                <a:uLnTx/>
-                <a:uFillTx/>
-                <a:latin typeface="Calibri Light" panose="020F0302020204030204"/>
-              </a:rPr>
-              <a:t>what</a:t>
-            </a:r>
-          </a:p>
-        </p:txBody>
-      </p:sp>
-      <p:grpSp>
-        <p:nvGrpSpPr>
-          <p:cNvPr id="10" name="Group 9">
-            <a:extLst>
-              <a:ext uri="{FF2B5EF4-FFF2-40B4-BE49-F238E27FC236}">
-                <a16:creationId xmlns:a16="http://schemas.microsoft.com/office/drawing/2014/main" id="{D5F36DCF-CF47-4764-A43A-C215FF187584}"/>
-              </a:ext>
-            </a:extLst>
-          </p:cNvPr>
-          <p:cNvGrpSpPr/>
-          <p:nvPr/>
-        </p:nvGrpSpPr>
-        <p:grpSpPr>
-          <a:xfrm>
-            <a:off x="7045752" y="5182818"/>
-            <a:ext cx="663769" cy="246221"/>
-            <a:chOff x="5881666" y="1565584"/>
-            <a:chExt cx="663769" cy="246221"/>
-          </a:xfrm>
-        </p:grpSpPr>
-        <p:sp>
-          <p:nvSpPr>
-            <p:cNvPr id="11" name="Retângulo 5">
-              <a:extLst>
-                <a:ext uri="{FF2B5EF4-FFF2-40B4-BE49-F238E27FC236}">
-                  <a16:creationId xmlns:a16="http://schemas.microsoft.com/office/drawing/2014/main" id="{3EA3BE74-A651-4F4B-B950-67BB4DF54D51}"/>
-                </a:ext>
-              </a:extLst>
-            </p:cNvPr>
-            <p:cNvSpPr/>
-            <p:nvPr/>
-          </p:nvSpPr>
-          <p:spPr>
-            <a:xfrm>
-              <a:off x="6016123" y="1565584"/>
-              <a:ext cx="529312" cy="246221"/>
-            </a:xfrm>
-            <a:prstGeom prst="rect">
-              <a:avLst/>
-            </a:prstGeom>
-          </p:spPr>
-          <p:txBody>
-            <a:bodyPr wrap="none">
-              <a:spAutoFit/>
-            </a:bodyPr>
-            <a:lstStyle/>
-            <a:p>
-              <a:pPr marL="0" marR="0" lvl="0" indent="0" defTabSz="914369" eaLnBrk="1" fontAlgn="auto" latinLnBrk="0" hangingPunct="1">
-                <a:lnSpc>
-                  <a:spcPct val="100000"/>
-                </a:lnSpc>
-                <a:spcBef>
-                  <a:spcPts val="0"/>
-                </a:spcBef>
-                <a:spcAft>
-                  <a:spcPts val="0"/>
-                </a:spcAft>
-                <a:buClrTx/>
-                <a:buSzTx/>
-                <a:buFontTx/>
-                <a:buNone/>
-                <a:tabLst/>
-                <a:defRPr/>
-              </a:pPr>
-              <a:r>
-                <a:rPr kumimoji="0" lang="en-US" sz="1000" b="0" i="0" u="none" strike="noStrike" kern="0" cap="none" spc="0" normalizeH="0" baseline="0" noProof="0" dirty="0">
-                  <a:ln>
-                    <a:noFill/>
-                  </a:ln>
-                  <a:solidFill>
-                    <a:prstClr val="black"/>
-                  </a:solidFill>
-                  <a:effectLst/>
-                  <a:uLnTx/>
-                  <a:uFillTx/>
-                  <a:hlinkClick r:id="rId3"/>
-                </a:rPr>
-                <a:t>names</a:t>
-              </a:r>
-              <a:endParaRPr kumimoji="0" lang="en-US" sz="1000" b="0" i="0" u="none" strike="noStrike" kern="0" cap="none" spc="0" normalizeH="0" baseline="0" noProof="0" dirty="0">
-                <a:ln>
-                  <a:noFill/>
-                </a:ln>
-                <a:solidFill>
-                  <a:prstClr val="black"/>
-                </a:solidFill>
-                <a:effectLst/>
-                <a:uLnTx/>
-                <a:uFillTx/>
-              </a:endParaRPr>
-            </a:p>
-          </p:txBody>
-        </p:sp>
-        <p:pic>
-          <p:nvPicPr>
-            <p:cNvPr id="12" name="Picture 11" descr="Icon&#10;&#10;Description automatically generated">
-              <a:extLst>
-                <a:ext uri="{FF2B5EF4-FFF2-40B4-BE49-F238E27FC236}">
-                  <a16:creationId xmlns:a16="http://schemas.microsoft.com/office/drawing/2014/main" id="{C3A87B84-B481-4A71-AC5E-18443239CF7A}"/>
-                </a:ext>
-              </a:extLst>
-            </p:cNvPr>
-            <p:cNvPicPr>
-              <a:picLocks noChangeAspect="1"/>
-            </p:cNvPicPr>
-            <p:nvPr/>
-          </p:nvPicPr>
-          <p:blipFill>
-            <a:blip r:embed="rId4" cstate="print">
-              <a:extLst>
-                <a:ext uri="{28A0092B-C50C-407E-A947-70E740481C1C}">
-                  <a14:useLocalDpi xmlns:a14="http://schemas.microsoft.com/office/drawing/2010/main" val="0"/>
-                </a:ext>
-              </a:extLst>
-            </a:blip>
-            <a:stretch>
-              <a:fillRect/>
-            </a:stretch>
-          </p:blipFill>
-          <p:spPr>
-            <a:xfrm>
-              <a:off x="5881666" y="1590687"/>
-              <a:ext cx="180000" cy="180000"/>
-            </a:xfrm>
-            <a:prstGeom prst="rect">
-              <a:avLst/>
-            </a:prstGeom>
-          </p:spPr>
-        </p:pic>
-      </p:grpSp>
-    </p:spTree>
-    <p:extLst>
-      <p:ext uri="{BB962C8B-B14F-4D97-AF65-F5344CB8AC3E}">
-        <p14:creationId xmlns:p14="http://schemas.microsoft.com/office/powerpoint/2010/main" val="2964364032"/>
-      </p:ext>
-    </p:extLst>
-  </p:cSld>
-  <p:clrMapOvr>
-    <a:masterClrMapping/>
-  </p:clrMapOvr>
-</p:sld>
-</file>
-
-<file path=ppt/slides/slide6.xml><?xml version="1.0" encoding="utf-8"?>
-<p:sld xmlns:a="http://schemas.openxmlformats.org/drawingml/2006/main" xmlns:r="http://schemas.openxmlformats.org/officeDocument/2006/relationships" xmlns:p="http://schemas.openxmlformats.org/presentationml/2006/main">
-  <p:cSld>
-    <p:bg>
-      <p:bgPr>
-        <a:solidFill>
-          <a:schemeClr val="tx1"/>
-        </a:solidFill>
-        <a:effectLst/>
-      </p:bgPr>
-    </p:bg>
-    <p:spTree>
-      <p:nvGrpSpPr>
-        <p:cNvPr id="1" name=""/>
-        <p:cNvGrpSpPr/>
-        <p:nvPr/>
-      </p:nvGrpSpPr>
-      <p:grpSpPr>
-        <a:xfrm>
-          <a:off x="0" y="0"/>
-          <a:ext cx="0" cy="0"/>
-          <a:chOff x="0" y="0"/>
-          <a:chExt cx="0" cy="0"/>
-        </a:xfrm>
-      </p:grpSpPr>
-      <p:sp>
-        <p:nvSpPr>
-          <p:cNvPr id="2" name="Title 1">
-            <a:extLst>
-              <a:ext uri="{FF2B5EF4-FFF2-40B4-BE49-F238E27FC236}">
-                <a16:creationId xmlns:a16="http://schemas.microsoft.com/office/drawing/2014/main" id="{54C7F764-8D4D-421D-979F-2C7A67DE064B}"/>
-              </a:ext>
-            </a:extLst>
-          </p:cNvPr>
-          <p:cNvSpPr>
-            <a:spLocks noGrp="1"/>
-          </p:cNvSpPr>
-          <p:nvPr>
-            <p:ph type="ctrTitle"/>
-          </p:nvPr>
-        </p:nvSpPr>
-        <p:spPr>
-          <a:xfrm>
-            <a:off x="145062" y="123804"/>
-            <a:ext cx="1077539" cy="369332"/>
-          </a:xfrm>
-          <a:gradFill>
-            <a:gsLst>
-              <a:gs pos="0">
-                <a:schemeClr val="accent1">
-                  <a:lumMod val="5000"/>
-                  <a:lumOff val="95000"/>
-                </a:schemeClr>
-              </a:gs>
-              <a:gs pos="74000">
-                <a:schemeClr val="accent1">
-                  <a:lumMod val="45000"/>
-                  <a:lumOff val="55000"/>
-                </a:schemeClr>
-              </a:gs>
-              <a:gs pos="83000">
-                <a:schemeClr val="accent1">
-                  <a:lumMod val="45000"/>
-                  <a:lumOff val="55000"/>
-                </a:schemeClr>
-              </a:gs>
-              <a:gs pos="100000">
-                <a:schemeClr val="accent1">
-                  <a:lumMod val="30000"/>
-                  <a:lumOff val="70000"/>
-                </a:schemeClr>
-              </a:gs>
-            </a:gsLst>
-            <a:lin ang="5400000" scaled="1"/>
-          </a:gradFill>
-          <a:ln w="25400">
-            <a:solidFill>
-              <a:schemeClr val="accent1"/>
-            </a:solidFill>
-          </a:ln>
-        </p:spPr>
-        <p:txBody>
-          <a:bodyPr vert="horz" wrap="none" lIns="91440" tIns="45720" rIns="91440" bIns="45720" rtlCol="0" anchor="t">
-            <a:spAutoFit/>
-          </a:bodyPr>
-          <a:lstStyle/>
-          <a:p>
-            <a:pPr algn="l"/>
-            <a:r>
-              <a:rPr lang="en-US" sz="2000" dirty="0">
-                <a:solidFill>
-                  <a:schemeClr val="bg2">
-                    <a:lumMod val="25000"/>
-                  </a:schemeClr>
-                </a:solidFill>
-                <a:sym typeface="Wingdings" panose="05000000000000000000" pitchFamily="2" charset="2"/>
-              </a:rPr>
-              <a:t>2.4 main</a:t>
-            </a:r>
-            <a:endParaRPr lang="en-US" sz="2000" dirty="0">
-              <a:solidFill>
-                <a:schemeClr val="bg2">
-                  <a:lumMod val="25000"/>
-                </a:schemeClr>
-              </a:solidFill>
-            </a:endParaRPr>
-          </a:p>
-        </p:txBody>
-      </p:sp>
-      <p:sp>
-        <p:nvSpPr>
-          <p:cNvPr id="5" name="Rectangle 4">
-            <a:extLst>
-              <a:ext uri="{FF2B5EF4-FFF2-40B4-BE49-F238E27FC236}">
-                <a16:creationId xmlns:a16="http://schemas.microsoft.com/office/drawing/2014/main" id="{D45E34D6-120F-44F6-96A2-17230046C2F4}"/>
-              </a:ext>
-            </a:extLst>
-          </p:cNvPr>
-          <p:cNvSpPr/>
-          <p:nvPr/>
-        </p:nvSpPr>
-        <p:spPr>
-          <a:xfrm>
-            <a:off x="145062" y="633528"/>
-            <a:ext cx="207692" cy="6048000"/>
-          </a:xfrm>
-          <a:prstGeom prst="rect">
-            <a:avLst/>
-          </a:prstGeom>
-          <a:solidFill>
-            <a:schemeClr val="tx1"/>
-          </a:solidFill>
-          <a:ln w="25400"/>
-          <a:effectLst>
-            <a:outerShdw blurRad="50800" dist="63500" dir="2700000" algn="tl" rotWithShape="0">
-              <a:schemeClr val="bg1">
-                <a:alpha val="40000"/>
-              </a:schemeClr>
-            </a:outerShdw>
-          </a:effectLst>
-        </p:spPr>
-        <p:style>
-          <a:lnRef idx="2">
-            <a:schemeClr val="accent1">
-              <a:shade val="50000"/>
-            </a:schemeClr>
-          </a:lnRef>
-          <a:fillRef idx="1">
-            <a:schemeClr val="accent1"/>
-          </a:fillRef>
-          <a:effectRef idx="0">
-            <a:schemeClr val="accent1"/>
-          </a:effectRef>
-          <a:fontRef idx="minor">
-            <a:schemeClr val="lt1"/>
-          </a:fontRef>
-        </p:style>
-        <p:txBody>
-          <a:bodyPr rtlCol="0" anchor="ctr"/>
-          <a:lstStyle/>
-          <a:p>
-            <a:pPr marL="0" marR="0" lvl="0" indent="0" algn="ctr" defTabSz="914400" rtl="0" eaLnBrk="1" fontAlgn="auto" latinLnBrk="0" hangingPunct="1">
-              <a:lnSpc>
-                <a:spcPct val="100000"/>
-              </a:lnSpc>
-              <a:spcBef>
-                <a:spcPts val="0"/>
-              </a:spcBef>
-              <a:spcAft>
-                <a:spcPts val="0"/>
-              </a:spcAft>
-              <a:buClrTx/>
-              <a:buSzTx/>
-              <a:buFontTx/>
-              <a:buNone/>
-              <a:tabLst/>
-              <a:defRPr/>
-            </a:pPr>
-            <a:endParaRPr kumimoji="0" lang="pt-PT" sz="1800" b="0" i="0" u="none" strike="noStrike" kern="1200" cap="none" spc="0" normalizeH="0" baseline="0" noProof="0">
-              <a:ln>
-                <a:noFill/>
-              </a:ln>
-              <a:solidFill>
-                <a:prstClr val="white"/>
-              </a:solidFill>
-              <a:effectLst/>
-              <a:uLnTx/>
-              <a:uFillTx/>
-              <a:latin typeface="Calibri" panose="020F0502020204030204"/>
-              <a:ea typeface="+mn-ea"/>
-              <a:cs typeface="+mn-cs"/>
-            </a:endParaRPr>
-          </a:p>
-        </p:txBody>
-      </p:sp>
-      <p:sp>
-        <p:nvSpPr>
-          <p:cNvPr id="8" name="Arrow: Right 5">
-            <a:extLst>
-              <a:ext uri="{FF2B5EF4-FFF2-40B4-BE49-F238E27FC236}">
-                <a16:creationId xmlns:a16="http://schemas.microsoft.com/office/drawing/2014/main" id="{B9CFDE67-358F-40AB-A205-0236CB52ADC0}"/>
-              </a:ext>
-            </a:extLst>
-          </p:cNvPr>
-          <p:cNvSpPr/>
-          <p:nvPr/>
-        </p:nvSpPr>
-        <p:spPr>
-          <a:xfrm>
-            <a:off x="261441" y="740052"/>
-            <a:ext cx="739111" cy="276999"/>
-          </a:xfrm>
-          <a:custGeom>
-            <a:avLst/>
-            <a:gdLst>
-              <a:gd name="connsiteX0" fmla="*/ 0 w 1727200"/>
-              <a:gd name="connsiteY0" fmla="*/ 119380 h 477520"/>
-              <a:gd name="connsiteX1" fmla="*/ 1488440 w 1727200"/>
-              <a:gd name="connsiteY1" fmla="*/ 119380 h 477520"/>
-              <a:gd name="connsiteX2" fmla="*/ 1488440 w 1727200"/>
-              <a:gd name="connsiteY2" fmla="*/ 0 h 477520"/>
-              <a:gd name="connsiteX3" fmla="*/ 1727200 w 1727200"/>
-              <a:gd name="connsiteY3" fmla="*/ 238760 h 477520"/>
-              <a:gd name="connsiteX4" fmla="*/ 1488440 w 1727200"/>
-              <a:gd name="connsiteY4" fmla="*/ 477520 h 477520"/>
-              <a:gd name="connsiteX5" fmla="*/ 1488440 w 1727200"/>
-              <a:gd name="connsiteY5" fmla="*/ 358140 h 477520"/>
-              <a:gd name="connsiteX6" fmla="*/ 0 w 1727200"/>
-              <a:gd name="connsiteY6" fmla="*/ 358140 h 477520"/>
-              <a:gd name="connsiteX7" fmla="*/ 0 w 1727200"/>
-              <a:gd name="connsiteY7" fmla="*/ 119380 h 477520"/>
-              <a:gd name="connsiteX0" fmla="*/ 0 w 1727200"/>
-              <a:gd name="connsiteY0" fmla="*/ 11803 h 369943"/>
-              <a:gd name="connsiteX1" fmla="*/ 1488440 w 1727200"/>
-              <a:gd name="connsiteY1" fmla="*/ 11803 h 369943"/>
-              <a:gd name="connsiteX2" fmla="*/ 1488440 w 1727200"/>
-              <a:gd name="connsiteY2" fmla="*/ 0 h 369943"/>
-              <a:gd name="connsiteX3" fmla="*/ 1727200 w 1727200"/>
-              <a:gd name="connsiteY3" fmla="*/ 131183 h 369943"/>
-              <a:gd name="connsiteX4" fmla="*/ 1488440 w 1727200"/>
-              <a:gd name="connsiteY4" fmla="*/ 369943 h 369943"/>
-              <a:gd name="connsiteX5" fmla="*/ 1488440 w 1727200"/>
-              <a:gd name="connsiteY5" fmla="*/ 250563 h 369943"/>
-              <a:gd name="connsiteX6" fmla="*/ 0 w 1727200"/>
-              <a:gd name="connsiteY6" fmla="*/ 250563 h 369943"/>
-              <a:gd name="connsiteX7" fmla="*/ 0 w 1727200"/>
-              <a:gd name="connsiteY7" fmla="*/ 11803 h 369943"/>
-              <a:gd name="connsiteX0" fmla="*/ 0 w 1727200"/>
-              <a:gd name="connsiteY0" fmla="*/ 0 h 358140"/>
-              <a:gd name="connsiteX1" fmla="*/ 1488440 w 1727200"/>
-              <a:gd name="connsiteY1" fmla="*/ 0 h 358140"/>
-              <a:gd name="connsiteX2" fmla="*/ 1497538 w 1727200"/>
-              <a:gd name="connsiteY2" fmla="*/ 6394 h 358140"/>
-              <a:gd name="connsiteX3" fmla="*/ 1727200 w 1727200"/>
-              <a:gd name="connsiteY3" fmla="*/ 119380 h 358140"/>
-              <a:gd name="connsiteX4" fmla="*/ 1488440 w 1727200"/>
-              <a:gd name="connsiteY4" fmla="*/ 358140 h 358140"/>
-              <a:gd name="connsiteX5" fmla="*/ 1488440 w 1727200"/>
-              <a:gd name="connsiteY5" fmla="*/ 238760 h 358140"/>
-              <a:gd name="connsiteX6" fmla="*/ 0 w 1727200"/>
-              <a:gd name="connsiteY6" fmla="*/ 238760 h 358140"/>
-              <a:gd name="connsiteX7" fmla="*/ 0 w 1727200"/>
-              <a:gd name="connsiteY7" fmla="*/ 0 h 358140"/>
-              <a:gd name="connsiteX0" fmla="*/ 0 w 1727200"/>
-              <a:gd name="connsiteY0" fmla="*/ 0 h 239859"/>
-              <a:gd name="connsiteX1" fmla="*/ 1488440 w 1727200"/>
-              <a:gd name="connsiteY1" fmla="*/ 0 h 239859"/>
-              <a:gd name="connsiteX2" fmla="*/ 1497538 w 1727200"/>
-              <a:gd name="connsiteY2" fmla="*/ 6394 h 239859"/>
-              <a:gd name="connsiteX3" fmla="*/ 1727200 w 1727200"/>
-              <a:gd name="connsiteY3" fmla="*/ 119380 h 239859"/>
-              <a:gd name="connsiteX4" fmla="*/ 1492989 w 1727200"/>
-              <a:gd name="connsiteY4" fmla="*/ 239859 h 239859"/>
-              <a:gd name="connsiteX5" fmla="*/ 1488440 w 1727200"/>
-              <a:gd name="connsiteY5" fmla="*/ 238760 h 239859"/>
-              <a:gd name="connsiteX6" fmla="*/ 0 w 1727200"/>
-              <a:gd name="connsiteY6" fmla="*/ 238760 h 239859"/>
-              <a:gd name="connsiteX7" fmla="*/ 0 w 1727200"/>
-              <a:gd name="connsiteY7" fmla="*/ 0 h 239859"/>
-            </a:gdLst>
-            <a:ahLst/>
-            <a:cxnLst>
-              <a:cxn ang="0">
-                <a:pos x="connsiteX0" y="connsiteY0"/>
-              </a:cxn>
-              <a:cxn ang="0">
-                <a:pos x="connsiteX1" y="connsiteY1"/>
-              </a:cxn>
-              <a:cxn ang="0">
-                <a:pos x="connsiteX2" y="connsiteY2"/>
-              </a:cxn>
-              <a:cxn ang="0">
-                <a:pos x="connsiteX3" y="connsiteY3"/>
-              </a:cxn>
-              <a:cxn ang="0">
-                <a:pos x="connsiteX4" y="connsiteY4"/>
-              </a:cxn>
-              <a:cxn ang="0">
-                <a:pos x="connsiteX5" y="connsiteY5"/>
-              </a:cxn>
-              <a:cxn ang="0">
-                <a:pos x="connsiteX6" y="connsiteY6"/>
-              </a:cxn>
-              <a:cxn ang="0">
-                <a:pos x="connsiteX7" y="connsiteY7"/>
-              </a:cxn>
-            </a:cxnLst>
-            <a:rect l="l" t="t" r="r" b="b"/>
-            <a:pathLst>
-              <a:path w="1727200" h="239859">
-                <a:moveTo>
-                  <a:pt x="0" y="0"/>
-                </a:moveTo>
-                <a:lnTo>
-                  <a:pt x="1488440" y="0"/>
-                </a:lnTo>
-                <a:lnTo>
-                  <a:pt x="1497538" y="6394"/>
-                </a:lnTo>
-                <a:lnTo>
-                  <a:pt x="1727200" y="119380"/>
-                </a:lnTo>
-                <a:lnTo>
-                  <a:pt x="1492989" y="239859"/>
-                </a:lnTo>
-                <a:lnTo>
-                  <a:pt x="1488440" y="238760"/>
-                </a:lnTo>
-                <a:lnTo>
-                  <a:pt x="0" y="238760"/>
-                </a:lnTo>
-                <a:lnTo>
-                  <a:pt x="0" y="0"/>
-                </a:lnTo>
-                <a:close/>
-              </a:path>
-            </a:pathLst>
-          </a:custGeom>
-          <a:solidFill>
-            <a:sysClr val="windowText" lastClr="000000"/>
-          </a:solidFill>
-          <a:ln w="25400" cap="flat" cmpd="sng" algn="ctr">
-            <a:solidFill>
-              <a:srgbClr val="FFC000">
-                <a:lumMod val="60000"/>
-                <a:lumOff val="40000"/>
-              </a:srgbClr>
-            </a:solidFill>
-            <a:prstDash val="solid"/>
-            <a:miter lim="800000"/>
-          </a:ln>
-          <a:effectLst>
-            <a:outerShdw blurRad="50800" dist="63500" dir="2700000" algn="tl" rotWithShape="0">
-              <a:sysClr val="window" lastClr="FFFFFF">
-                <a:alpha val="40000"/>
-              </a:sysClr>
-            </a:outerShdw>
-          </a:effectLst>
-        </p:spPr>
-        <p:txBody>
-          <a:bodyPr wrap="none" lIns="90000" tIns="0" rIns="180000" bIns="0" rtlCol="0" anchor="ctr">
-            <a:spAutoFit/>
-          </a:bodyPr>
-          <a:lstStyle/>
-          <a:p>
-            <a:pPr marL="0" marR="0" lvl="0" indent="0" defTabSz="914369" eaLnBrk="1" fontAlgn="auto" latinLnBrk="0" hangingPunct="1">
-              <a:lnSpc>
-                <a:spcPct val="100000"/>
-              </a:lnSpc>
-              <a:spcBef>
-                <a:spcPts val="0"/>
-              </a:spcBef>
-              <a:spcAft>
-                <a:spcPts val="0"/>
-              </a:spcAft>
-              <a:buClrTx/>
-              <a:buSzTx/>
-              <a:buFontTx/>
-              <a:buNone/>
-              <a:tabLst/>
-              <a:defRPr/>
-            </a:pPr>
-            <a:r>
-              <a:rPr kumimoji="0" lang="en-US" sz="1800" b="0" i="0" u="none" strike="noStrike" kern="0" cap="none" spc="0" normalizeH="0" baseline="0" noProof="0" dirty="0">
-                <a:ln>
-                  <a:noFill/>
-                </a:ln>
-                <a:solidFill>
-                  <a:prstClr val="white"/>
-                </a:solidFill>
-                <a:effectLst/>
-                <a:uLnTx/>
-                <a:uFillTx/>
-                <a:latin typeface="Calibri Light" panose="020F0302020204030204"/>
-              </a:rPr>
-              <a:t>what</a:t>
-            </a:r>
-          </a:p>
-        </p:txBody>
-      </p:sp>
-      <p:grpSp>
-        <p:nvGrpSpPr>
-          <p:cNvPr id="10" name="Group 9">
-            <a:extLst>
-              <a:ext uri="{FF2B5EF4-FFF2-40B4-BE49-F238E27FC236}">
-                <a16:creationId xmlns:a16="http://schemas.microsoft.com/office/drawing/2014/main" id="{D5F36DCF-CF47-4764-A43A-C215FF187584}"/>
-              </a:ext>
-            </a:extLst>
-          </p:cNvPr>
-          <p:cNvGrpSpPr/>
-          <p:nvPr/>
-        </p:nvGrpSpPr>
-        <p:grpSpPr>
-          <a:xfrm>
-            <a:off x="5018832" y="3441782"/>
-            <a:ext cx="2279596" cy="246221"/>
-            <a:chOff x="5881666" y="1565584"/>
-            <a:chExt cx="2279596" cy="246221"/>
-          </a:xfrm>
-        </p:grpSpPr>
-        <p:sp>
-          <p:nvSpPr>
-            <p:cNvPr id="11" name="Retângulo 5">
-              <a:extLst>
-                <a:ext uri="{FF2B5EF4-FFF2-40B4-BE49-F238E27FC236}">
-                  <a16:creationId xmlns:a16="http://schemas.microsoft.com/office/drawing/2014/main" id="{3EA3BE74-A651-4F4B-B950-67BB4DF54D51}"/>
-                </a:ext>
-              </a:extLst>
-            </p:cNvPr>
-            <p:cNvSpPr/>
-            <p:nvPr/>
-          </p:nvSpPr>
-          <p:spPr>
-            <a:xfrm>
-              <a:off x="6016123" y="1565584"/>
-              <a:ext cx="2145139" cy="246221"/>
-            </a:xfrm>
-            <a:prstGeom prst="rect">
-              <a:avLst/>
-            </a:prstGeom>
-          </p:spPr>
-          <p:txBody>
-            <a:bodyPr wrap="none">
-              <a:spAutoFit/>
-            </a:bodyPr>
-            <a:lstStyle/>
-            <a:p>
-              <a:pPr marL="0" marR="0" lvl="0" indent="0" defTabSz="914369" eaLnBrk="1" fontAlgn="auto" latinLnBrk="0" hangingPunct="1">
-                <a:lnSpc>
-                  <a:spcPct val="100000"/>
-                </a:lnSpc>
-                <a:spcBef>
-                  <a:spcPts val="0"/>
-                </a:spcBef>
-                <a:spcAft>
-                  <a:spcPts val="0"/>
-                </a:spcAft>
-                <a:buClrTx/>
-                <a:buSzTx/>
-                <a:buFontTx/>
-                <a:buNone/>
-                <a:tabLst/>
-                <a:defRPr/>
-              </a:pPr>
-              <a:r>
-                <a:rPr kumimoji="0" lang="en-US" sz="1000" b="0" i="0" u="none" strike="noStrike" kern="0" cap="none" spc="0" normalizeH="0" baseline="0" noProof="0" dirty="0">
-                  <a:ln>
-                    <a:noFill/>
-                  </a:ln>
-                  <a:solidFill>
-                    <a:prstClr val="black"/>
-                  </a:solidFill>
-                  <a:effectLst/>
-                  <a:uLnTx/>
-                  <a:uFillTx/>
-                  <a:hlinkClick r:id="rId2"/>
-                </a:rPr>
-                <a:t>The If __name__ == '__main__' check</a:t>
-              </a:r>
-              <a:endParaRPr kumimoji="0" lang="en-US" sz="1000" b="0" i="0" u="none" strike="noStrike" kern="0" cap="none" spc="0" normalizeH="0" baseline="0" noProof="0" dirty="0">
-                <a:ln>
-                  <a:noFill/>
-                </a:ln>
-                <a:solidFill>
-                  <a:prstClr val="black"/>
-                </a:solidFill>
-                <a:effectLst/>
-                <a:uLnTx/>
-                <a:uFillTx/>
-              </a:endParaRPr>
-            </a:p>
-          </p:txBody>
-        </p:sp>
-        <p:pic>
-          <p:nvPicPr>
-            <p:cNvPr id="12" name="Picture 11" descr="Icon&#10;&#10;Description automatically generated">
-              <a:extLst>
-                <a:ext uri="{FF2B5EF4-FFF2-40B4-BE49-F238E27FC236}">
-                  <a16:creationId xmlns:a16="http://schemas.microsoft.com/office/drawing/2014/main" id="{C3A87B84-B481-4A71-AC5E-18443239CF7A}"/>
-                </a:ext>
-              </a:extLst>
-            </p:cNvPr>
-            <p:cNvPicPr>
-              <a:picLocks noChangeAspect="1"/>
-            </p:cNvPicPr>
-            <p:nvPr/>
-          </p:nvPicPr>
-          <p:blipFill>
-            <a:blip r:embed="rId3" cstate="print">
-              <a:extLst>
-                <a:ext uri="{28A0092B-C50C-407E-A947-70E740481C1C}">
-                  <a14:useLocalDpi xmlns:a14="http://schemas.microsoft.com/office/drawing/2010/main" val="0"/>
-                </a:ext>
-              </a:extLst>
-            </a:blip>
-            <a:stretch>
-              <a:fillRect/>
-            </a:stretch>
-          </p:blipFill>
-          <p:spPr>
-            <a:xfrm>
-              <a:off x="5881666" y="1590687"/>
-              <a:ext cx="180000" cy="180000"/>
-            </a:xfrm>
-            <a:prstGeom prst="rect">
-              <a:avLst/>
-            </a:prstGeom>
-          </p:spPr>
-        </p:pic>
-      </p:grpSp>
-      <p:pic>
-        <p:nvPicPr>
-          <p:cNvPr id="6" name="Picture 5">
-            <a:extLst>
-              <a:ext uri="{FF2B5EF4-FFF2-40B4-BE49-F238E27FC236}">
-                <a16:creationId xmlns:a16="http://schemas.microsoft.com/office/drawing/2014/main" id="{D6F68BCB-1D4A-4AB6-AD3E-E92984345098}"/>
-              </a:ext>
-            </a:extLst>
-          </p:cNvPr>
-          <p:cNvPicPr>
-            <a:picLocks noChangeAspect="1"/>
-          </p:cNvPicPr>
-          <p:nvPr/>
-        </p:nvPicPr>
-        <p:blipFill>
-          <a:blip r:embed="rId4"/>
-          <a:stretch>
-            <a:fillRect/>
-          </a:stretch>
-        </p:blipFill>
-        <p:spPr>
-          <a:xfrm>
-            <a:off x="1067480" y="740052"/>
-            <a:ext cx="6068272" cy="2553056"/>
-          </a:xfrm>
-          <a:prstGeom prst="rect">
-            <a:avLst/>
-          </a:prstGeom>
-          <a:ln w="50800">
-            <a:solidFill>
-              <a:srgbClr val="70AD47">
-                <a:lumMod val="60000"/>
-                <a:lumOff val="40000"/>
-              </a:srgbClr>
-            </a:solidFill>
-          </a:ln>
-          <a:effectLst>
-            <a:outerShdw blurRad="50800" dist="127000" dir="2700000" algn="tl" rotWithShape="0">
-              <a:sysClr val="window" lastClr="FFFFFF">
-                <a:alpha val="40000"/>
-              </a:sysClr>
-            </a:outerShdw>
-          </a:effectLst>
-        </p:spPr>
-      </p:pic>
-    </p:spTree>
-    <p:extLst>
-      <p:ext uri="{BB962C8B-B14F-4D97-AF65-F5344CB8AC3E}">
-        <p14:creationId xmlns:p14="http://schemas.microsoft.com/office/powerpoint/2010/main" val="2699020165"/>
-      </p:ext>
-    </p:extLst>
-  </p:cSld>
-  <p:clrMapOvr>
-    <a:masterClrMapping/>
-  </p:clrMapOvr>
-</p:sld>
-</file>
-
-<file path=ppt/slides/slide7.xml><?xml version="1.0" encoding="utf-8"?>
-<p:sld xmlns:a="http://schemas.openxmlformats.org/drawingml/2006/main" xmlns:r="http://schemas.openxmlformats.org/officeDocument/2006/relationships" xmlns:p="http://schemas.openxmlformats.org/presentationml/2006/main">
-  <p:cSld>
-    <p:bg>
-      <p:bgPr>
-        <a:solidFill>
-          <a:schemeClr val="tx1"/>
-        </a:solidFill>
-        <a:effectLst/>
-      </p:bgPr>
-    </p:bg>
-    <p:spTree>
-      <p:nvGrpSpPr>
-        <p:cNvPr id="1" name=""/>
-        <p:cNvGrpSpPr/>
-        <p:nvPr/>
-      </p:nvGrpSpPr>
-      <p:grpSpPr>
-        <a:xfrm>
-          <a:off x="0" y="0"/>
-          <a:ext cx="0" cy="0"/>
-          <a:chOff x="0" y="0"/>
-          <a:chExt cx="0" cy="0"/>
-        </a:xfrm>
-      </p:grpSpPr>
-      <p:pic>
-        <p:nvPicPr>
-          <p:cNvPr id="6" name="Picture 5">
-            <a:extLst>
-              <a:ext uri="{FF2B5EF4-FFF2-40B4-BE49-F238E27FC236}">
-                <a16:creationId xmlns:a16="http://schemas.microsoft.com/office/drawing/2014/main" id="{CA8A2543-9F6F-4943-B36A-D3A9FF1491C2}"/>
-              </a:ext>
-            </a:extLst>
-          </p:cNvPr>
-          <p:cNvPicPr>
-            <a:picLocks noChangeAspect="1"/>
-          </p:cNvPicPr>
-          <p:nvPr/>
-        </p:nvPicPr>
-        <p:blipFill>
-          <a:blip r:embed="rId2"/>
-          <a:stretch>
-            <a:fillRect/>
-          </a:stretch>
-        </p:blipFill>
-        <p:spPr>
-          <a:xfrm>
-            <a:off x="951697" y="707612"/>
-            <a:ext cx="6297463" cy="1245939"/>
-          </a:xfrm>
-          <a:prstGeom prst="rect">
-            <a:avLst/>
-          </a:prstGeom>
-          <a:ln w="50800">
-            <a:solidFill>
-              <a:srgbClr val="70AD47">
-                <a:lumMod val="60000"/>
-                <a:lumOff val="40000"/>
-              </a:srgbClr>
-            </a:solidFill>
-          </a:ln>
-          <a:effectLst>
-            <a:outerShdw blurRad="50800" dist="127000" dir="2700000" algn="tl" rotWithShape="0">
-              <a:sysClr val="window" lastClr="FFFFFF">
-                <a:alpha val="40000"/>
-              </a:sysClr>
-            </a:outerShdw>
-          </a:effectLst>
-        </p:spPr>
-      </p:pic>
-      <p:sp>
-        <p:nvSpPr>
-          <p:cNvPr id="2" name="Title 1">
-            <a:extLst>
-              <a:ext uri="{FF2B5EF4-FFF2-40B4-BE49-F238E27FC236}">
-                <a16:creationId xmlns:a16="http://schemas.microsoft.com/office/drawing/2014/main" id="{54C7F764-8D4D-421D-979F-2C7A67DE064B}"/>
-              </a:ext>
-            </a:extLst>
-          </p:cNvPr>
-          <p:cNvSpPr>
-            <a:spLocks noGrp="1"/>
-          </p:cNvSpPr>
-          <p:nvPr>
-            <p:ph type="ctrTitle"/>
-          </p:nvPr>
-        </p:nvSpPr>
-        <p:spPr>
-          <a:xfrm>
-            <a:off x="145062" y="123804"/>
-            <a:ext cx="1370440" cy="369332"/>
-          </a:xfrm>
-          <a:gradFill>
-            <a:gsLst>
-              <a:gs pos="0">
-                <a:schemeClr val="accent1">
-                  <a:lumMod val="5000"/>
-                  <a:lumOff val="95000"/>
-                </a:schemeClr>
-              </a:gs>
-              <a:gs pos="74000">
-                <a:schemeClr val="accent1">
-                  <a:lumMod val="45000"/>
-                  <a:lumOff val="55000"/>
-                </a:schemeClr>
-              </a:gs>
-              <a:gs pos="83000">
-                <a:schemeClr val="accent1">
-                  <a:lumMod val="45000"/>
-                  <a:lumOff val="55000"/>
-                </a:schemeClr>
-              </a:gs>
-              <a:gs pos="100000">
-                <a:schemeClr val="accent1">
-                  <a:lumMod val="30000"/>
-                  <a:lumOff val="70000"/>
-                </a:schemeClr>
-              </a:gs>
-            </a:gsLst>
-            <a:lin ang="5400000" scaled="1"/>
-          </a:gradFill>
-          <a:ln w="25400">
-            <a:solidFill>
-              <a:schemeClr val="accent1"/>
-            </a:solidFill>
-          </a:ln>
-        </p:spPr>
-        <p:txBody>
-          <a:bodyPr vert="horz" wrap="none" lIns="91440" tIns="45720" rIns="91440" bIns="45720" rtlCol="0" anchor="t">
-            <a:spAutoFit/>
-          </a:bodyPr>
-          <a:lstStyle/>
-          <a:p>
-            <a:pPr algn="l"/>
-            <a:r>
-              <a:rPr lang="en-US" sz="2000" dirty="0">
-                <a:solidFill>
-                  <a:schemeClr val="bg2">
-                    <a:lumMod val="25000"/>
-                  </a:schemeClr>
-                </a:solidFill>
-                <a:sym typeface="Wingdings" panose="05000000000000000000" pitchFamily="2" charset="2"/>
-              </a:rPr>
-              <a:t>3. packages</a:t>
-            </a:r>
-            <a:endParaRPr lang="en-US" sz="2000" dirty="0">
-              <a:solidFill>
-                <a:schemeClr val="bg2">
-                  <a:lumMod val="25000"/>
-                </a:schemeClr>
-              </a:solidFill>
-            </a:endParaRPr>
-          </a:p>
-        </p:txBody>
-      </p:sp>
-      <p:sp>
-        <p:nvSpPr>
-          <p:cNvPr id="5" name="Rectangle 4">
-            <a:extLst>
-              <a:ext uri="{FF2B5EF4-FFF2-40B4-BE49-F238E27FC236}">
-                <a16:creationId xmlns:a16="http://schemas.microsoft.com/office/drawing/2014/main" id="{D45E34D6-120F-44F6-96A2-17230046C2F4}"/>
-              </a:ext>
-            </a:extLst>
-          </p:cNvPr>
-          <p:cNvSpPr/>
-          <p:nvPr/>
-        </p:nvSpPr>
-        <p:spPr>
-          <a:xfrm>
-            <a:off x="145062" y="633528"/>
-            <a:ext cx="207692" cy="6048000"/>
-          </a:xfrm>
-          <a:prstGeom prst="rect">
-            <a:avLst/>
-          </a:prstGeom>
-          <a:solidFill>
-            <a:schemeClr val="tx1"/>
-          </a:solidFill>
-          <a:ln w="25400"/>
-          <a:effectLst>
-            <a:outerShdw blurRad="50800" dist="63500" dir="2700000" algn="tl" rotWithShape="0">
-              <a:schemeClr val="bg1">
-                <a:alpha val="40000"/>
-              </a:schemeClr>
-            </a:outerShdw>
-          </a:effectLst>
-        </p:spPr>
-        <p:style>
-          <a:lnRef idx="2">
-            <a:schemeClr val="accent1">
-              <a:shade val="50000"/>
-            </a:schemeClr>
-          </a:lnRef>
-          <a:fillRef idx="1">
-            <a:schemeClr val="accent1"/>
-          </a:fillRef>
-          <a:effectRef idx="0">
-            <a:schemeClr val="accent1"/>
-          </a:effectRef>
-          <a:fontRef idx="minor">
-            <a:schemeClr val="lt1"/>
-          </a:fontRef>
-        </p:style>
-        <p:txBody>
-          <a:bodyPr rtlCol="0" anchor="ctr"/>
-          <a:lstStyle/>
-          <a:p>
-            <a:pPr marL="0" marR="0" lvl="0" indent="0" algn="ctr" defTabSz="914400" rtl="0" eaLnBrk="1" fontAlgn="auto" latinLnBrk="0" hangingPunct="1">
-              <a:lnSpc>
-                <a:spcPct val="100000"/>
-              </a:lnSpc>
-              <a:spcBef>
-                <a:spcPts val="0"/>
-              </a:spcBef>
-              <a:spcAft>
-                <a:spcPts val="0"/>
-              </a:spcAft>
-              <a:buClrTx/>
-              <a:buSzTx/>
-              <a:buFontTx/>
-              <a:buNone/>
-              <a:tabLst/>
-              <a:defRPr/>
-            </a:pPr>
-            <a:endParaRPr kumimoji="0" lang="pt-PT" sz="1800" b="0" i="0" u="none" strike="noStrike" kern="1200" cap="none" spc="0" normalizeH="0" baseline="0" noProof="0">
-              <a:ln>
-                <a:noFill/>
-              </a:ln>
-              <a:solidFill>
-                <a:prstClr val="white"/>
-              </a:solidFill>
-              <a:effectLst/>
-              <a:uLnTx/>
-              <a:uFillTx/>
-              <a:latin typeface="Calibri" panose="020F0502020204030204"/>
-              <a:ea typeface="+mn-ea"/>
-              <a:cs typeface="+mn-cs"/>
-            </a:endParaRPr>
-          </a:p>
-        </p:txBody>
-      </p:sp>
-      <p:sp>
-        <p:nvSpPr>
-          <p:cNvPr id="8" name="Arrow: Right 5">
-            <a:extLst>
-              <a:ext uri="{FF2B5EF4-FFF2-40B4-BE49-F238E27FC236}">
-                <a16:creationId xmlns:a16="http://schemas.microsoft.com/office/drawing/2014/main" id="{B9CFDE67-358F-40AB-A205-0236CB52ADC0}"/>
-              </a:ext>
-            </a:extLst>
-          </p:cNvPr>
-          <p:cNvSpPr/>
-          <p:nvPr/>
-        </p:nvSpPr>
-        <p:spPr>
-          <a:xfrm>
-            <a:off x="261441" y="740052"/>
-            <a:ext cx="739111" cy="276999"/>
-          </a:xfrm>
-          <a:custGeom>
-            <a:avLst/>
-            <a:gdLst>
-              <a:gd name="connsiteX0" fmla="*/ 0 w 1727200"/>
-              <a:gd name="connsiteY0" fmla="*/ 119380 h 477520"/>
-              <a:gd name="connsiteX1" fmla="*/ 1488440 w 1727200"/>
-              <a:gd name="connsiteY1" fmla="*/ 119380 h 477520"/>
-              <a:gd name="connsiteX2" fmla="*/ 1488440 w 1727200"/>
-              <a:gd name="connsiteY2" fmla="*/ 0 h 477520"/>
-              <a:gd name="connsiteX3" fmla="*/ 1727200 w 1727200"/>
-              <a:gd name="connsiteY3" fmla="*/ 238760 h 477520"/>
-              <a:gd name="connsiteX4" fmla="*/ 1488440 w 1727200"/>
-              <a:gd name="connsiteY4" fmla="*/ 477520 h 477520"/>
-              <a:gd name="connsiteX5" fmla="*/ 1488440 w 1727200"/>
-              <a:gd name="connsiteY5" fmla="*/ 358140 h 477520"/>
-              <a:gd name="connsiteX6" fmla="*/ 0 w 1727200"/>
-              <a:gd name="connsiteY6" fmla="*/ 358140 h 477520"/>
-              <a:gd name="connsiteX7" fmla="*/ 0 w 1727200"/>
-              <a:gd name="connsiteY7" fmla="*/ 119380 h 477520"/>
-              <a:gd name="connsiteX0" fmla="*/ 0 w 1727200"/>
-              <a:gd name="connsiteY0" fmla="*/ 11803 h 369943"/>
-              <a:gd name="connsiteX1" fmla="*/ 1488440 w 1727200"/>
-              <a:gd name="connsiteY1" fmla="*/ 11803 h 369943"/>
-              <a:gd name="connsiteX2" fmla="*/ 1488440 w 1727200"/>
-              <a:gd name="connsiteY2" fmla="*/ 0 h 369943"/>
-              <a:gd name="connsiteX3" fmla="*/ 1727200 w 1727200"/>
-              <a:gd name="connsiteY3" fmla="*/ 131183 h 369943"/>
-              <a:gd name="connsiteX4" fmla="*/ 1488440 w 1727200"/>
-              <a:gd name="connsiteY4" fmla="*/ 369943 h 369943"/>
-              <a:gd name="connsiteX5" fmla="*/ 1488440 w 1727200"/>
-              <a:gd name="connsiteY5" fmla="*/ 250563 h 369943"/>
-              <a:gd name="connsiteX6" fmla="*/ 0 w 1727200"/>
-              <a:gd name="connsiteY6" fmla="*/ 250563 h 369943"/>
-              <a:gd name="connsiteX7" fmla="*/ 0 w 1727200"/>
-              <a:gd name="connsiteY7" fmla="*/ 11803 h 369943"/>
-              <a:gd name="connsiteX0" fmla="*/ 0 w 1727200"/>
-              <a:gd name="connsiteY0" fmla="*/ 0 h 358140"/>
-              <a:gd name="connsiteX1" fmla="*/ 1488440 w 1727200"/>
-              <a:gd name="connsiteY1" fmla="*/ 0 h 358140"/>
-              <a:gd name="connsiteX2" fmla="*/ 1497538 w 1727200"/>
-              <a:gd name="connsiteY2" fmla="*/ 6394 h 358140"/>
-              <a:gd name="connsiteX3" fmla="*/ 1727200 w 1727200"/>
-              <a:gd name="connsiteY3" fmla="*/ 119380 h 358140"/>
-              <a:gd name="connsiteX4" fmla="*/ 1488440 w 1727200"/>
-              <a:gd name="connsiteY4" fmla="*/ 358140 h 358140"/>
-              <a:gd name="connsiteX5" fmla="*/ 1488440 w 1727200"/>
-              <a:gd name="connsiteY5" fmla="*/ 238760 h 358140"/>
-              <a:gd name="connsiteX6" fmla="*/ 0 w 1727200"/>
-              <a:gd name="connsiteY6" fmla="*/ 238760 h 358140"/>
-              <a:gd name="connsiteX7" fmla="*/ 0 w 1727200"/>
-              <a:gd name="connsiteY7" fmla="*/ 0 h 358140"/>
-              <a:gd name="connsiteX0" fmla="*/ 0 w 1727200"/>
-              <a:gd name="connsiteY0" fmla="*/ 0 h 239859"/>
-              <a:gd name="connsiteX1" fmla="*/ 1488440 w 1727200"/>
-              <a:gd name="connsiteY1" fmla="*/ 0 h 239859"/>
-              <a:gd name="connsiteX2" fmla="*/ 1497538 w 1727200"/>
-              <a:gd name="connsiteY2" fmla="*/ 6394 h 239859"/>
-              <a:gd name="connsiteX3" fmla="*/ 1727200 w 1727200"/>
-              <a:gd name="connsiteY3" fmla="*/ 119380 h 239859"/>
-              <a:gd name="connsiteX4" fmla="*/ 1492989 w 1727200"/>
-              <a:gd name="connsiteY4" fmla="*/ 239859 h 239859"/>
-              <a:gd name="connsiteX5" fmla="*/ 1488440 w 1727200"/>
-              <a:gd name="connsiteY5" fmla="*/ 238760 h 239859"/>
-              <a:gd name="connsiteX6" fmla="*/ 0 w 1727200"/>
-              <a:gd name="connsiteY6" fmla="*/ 238760 h 239859"/>
-              <a:gd name="connsiteX7" fmla="*/ 0 w 1727200"/>
-              <a:gd name="connsiteY7" fmla="*/ 0 h 239859"/>
-            </a:gdLst>
-            <a:ahLst/>
-            <a:cxnLst>
-              <a:cxn ang="0">
-                <a:pos x="connsiteX0" y="connsiteY0"/>
-              </a:cxn>
-              <a:cxn ang="0">
-                <a:pos x="connsiteX1" y="connsiteY1"/>
-              </a:cxn>
-              <a:cxn ang="0">
-                <a:pos x="connsiteX2" y="connsiteY2"/>
-              </a:cxn>
-              <a:cxn ang="0">
-                <a:pos x="connsiteX3" y="connsiteY3"/>
-              </a:cxn>
-              <a:cxn ang="0">
-                <a:pos x="connsiteX4" y="connsiteY4"/>
-              </a:cxn>
-              <a:cxn ang="0">
-                <a:pos x="connsiteX5" y="connsiteY5"/>
-              </a:cxn>
-              <a:cxn ang="0">
-                <a:pos x="connsiteX6" y="connsiteY6"/>
-              </a:cxn>
-              <a:cxn ang="0">
-                <a:pos x="connsiteX7" y="connsiteY7"/>
-              </a:cxn>
-            </a:cxnLst>
-            <a:rect l="l" t="t" r="r" b="b"/>
-            <a:pathLst>
-              <a:path w="1727200" h="239859">
-                <a:moveTo>
-                  <a:pt x="0" y="0"/>
-                </a:moveTo>
-                <a:lnTo>
-                  <a:pt x="1488440" y="0"/>
-                </a:lnTo>
-                <a:lnTo>
-                  <a:pt x="1497538" y="6394"/>
-                </a:lnTo>
-                <a:lnTo>
-                  <a:pt x="1727200" y="119380"/>
-                </a:lnTo>
-                <a:lnTo>
-                  <a:pt x="1492989" y="239859"/>
-                </a:lnTo>
-                <a:lnTo>
-                  <a:pt x="1488440" y="238760"/>
-                </a:lnTo>
-                <a:lnTo>
-                  <a:pt x="0" y="238760"/>
-                </a:lnTo>
-                <a:lnTo>
-                  <a:pt x="0" y="0"/>
-                </a:lnTo>
-                <a:close/>
-              </a:path>
-            </a:pathLst>
-          </a:custGeom>
-          <a:solidFill>
-            <a:sysClr val="windowText" lastClr="000000"/>
-          </a:solidFill>
-          <a:ln w="25400" cap="flat" cmpd="sng" algn="ctr">
-            <a:solidFill>
-              <a:srgbClr val="FFC000">
-                <a:lumMod val="60000"/>
-                <a:lumOff val="40000"/>
-              </a:srgbClr>
-            </a:solidFill>
-            <a:prstDash val="solid"/>
-            <a:miter lim="800000"/>
-          </a:ln>
-          <a:effectLst>
-            <a:outerShdw blurRad="50800" dist="63500" dir="2700000" algn="tl" rotWithShape="0">
-              <a:sysClr val="window" lastClr="FFFFFF">
-                <a:alpha val="40000"/>
-              </a:sysClr>
-            </a:outerShdw>
-          </a:effectLst>
-        </p:spPr>
-        <p:txBody>
-          <a:bodyPr wrap="none" lIns="90000" tIns="0" rIns="180000" bIns="0" rtlCol="0" anchor="ctr">
-            <a:spAutoFit/>
-          </a:bodyPr>
-          <a:lstStyle/>
-          <a:p>
-            <a:pPr marL="0" marR="0" lvl="0" indent="0" defTabSz="914369" eaLnBrk="1" fontAlgn="auto" latinLnBrk="0" hangingPunct="1">
-              <a:lnSpc>
-                <a:spcPct val="100000"/>
-              </a:lnSpc>
-              <a:spcBef>
-                <a:spcPts val="0"/>
-              </a:spcBef>
-              <a:spcAft>
-                <a:spcPts val="0"/>
-              </a:spcAft>
-              <a:buClrTx/>
-              <a:buSzTx/>
-              <a:buFontTx/>
-              <a:buNone/>
-              <a:tabLst/>
-              <a:defRPr/>
-            </a:pPr>
-            <a:r>
-              <a:rPr kumimoji="0" lang="en-US" sz="1800" b="0" i="0" u="none" strike="noStrike" kern="0" cap="none" spc="0" normalizeH="0" baseline="0" noProof="0" dirty="0">
-                <a:ln>
-                  <a:noFill/>
-                </a:ln>
-                <a:solidFill>
-                  <a:prstClr val="white"/>
-                </a:solidFill>
-                <a:effectLst/>
-                <a:uLnTx/>
-                <a:uFillTx/>
-                <a:latin typeface="Calibri Light" panose="020F0302020204030204"/>
-              </a:rPr>
-              <a:t>what</a:t>
-            </a:r>
-          </a:p>
-        </p:txBody>
-      </p:sp>
-      <p:grpSp>
-        <p:nvGrpSpPr>
-          <p:cNvPr id="10" name="Group 9">
-            <a:extLst>
-              <a:ext uri="{FF2B5EF4-FFF2-40B4-BE49-F238E27FC236}">
-                <a16:creationId xmlns:a16="http://schemas.microsoft.com/office/drawing/2014/main" id="{D5F36DCF-CF47-4764-A43A-C215FF187584}"/>
-              </a:ext>
-            </a:extLst>
-          </p:cNvPr>
-          <p:cNvGrpSpPr/>
-          <p:nvPr/>
-        </p:nvGrpSpPr>
-        <p:grpSpPr>
-          <a:xfrm>
-            <a:off x="6096000" y="2044916"/>
-            <a:ext cx="1203981" cy="246221"/>
-            <a:chOff x="5881666" y="1565584"/>
-            <a:chExt cx="1203981" cy="246221"/>
-          </a:xfrm>
-        </p:grpSpPr>
-        <p:sp>
-          <p:nvSpPr>
-            <p:cNvPr id="11" name="Retângulo 5">
-              <a:extLst>
-                <a:ext uri="{FF2B5EF4-FFF2-40B4-BE49-F238E27FC236}">
-                  <a16:creationId xmlns:a16="http://schemas.microsoft.com/office/drawing/2014/main" id="{3EA3BE74-A651-4F4B-B950-67BB4DF54D51}"/>
-                </a:ext>
-              </a:extLst>
-            </p:cNvPr>
-            <p:cNvSpPr/>
-            <p:nvPr/>
-          </p:nvSpPr>
-          <p:spPr>
-            <a:xfrm>
-              <a:off x="6016123" y="1565584"/>
-              <a:ext cx="1069524" cy="246221"/>
-            </a:xfrm>
-            <a:prstGeom prst="rect">
-              <a:avLst/>
-            </a:prstGeom>
-          </p:spPr>
-          <p:txBody>
-            <a:bodyPr wrap="none">
-              <a:spAutoFit/>
-            </a:bodyPr>
-            <a:lstStyle/>
-            <a:p>
-              <a:pPr marL="0" marR="0" lvl="0" indent="0" defTabSz="914369" eaLnBrk="1" fontAlgn="auto" latinLnBrk="0" hangingPunct="1">
-                <a:lnSpc>
-                  <a:spcPct val="100000"/>
-                </a:lnSpc>
-                <a:spcBef>
-                  <a:spcPts val="0"/>
-                </a:spcBef>
-                <a:spcAft>
-                  <a:spcPts val="0"/>
-                </a:spcAft>
-                <a:buClrTx/>
-                <a:buSzTx/>
-                <a:buFontTx/>
-                <a:buNone/>
-                <a:tabLst/>
-                <a:defRPr/>
-              </a:pPr>
-              <a:r>
-                <a:rPr kumimoji="0" lang="en-US" sz="1000" b="0" i="0" u="none" strike="noStrike" kern="0" cap="none" spc="0" normalizeH="0" baseline="0" noProof="0" dirty="0">
-                  <a:ln>
-                    <a:noFill/>
-                  </a:ln>
-                  <a:solidFill>
-                    <a:prstClr val="black"/>
-                  </a:solidFill>
-                  <a:effectLst/>
-                  <a:uLnTx/>
-                  <a:uFillTx/>
-                  <a:hlinkClick r:id="rId3"/>
-                </a:rPr>
-                <a:t>python-packages</a:t>
-              </a:r>
-              <a:endParaRPr kumimoji="0" lang="en-US" sz="1000" b="0" i="0" u="none" strike="noStrike" kern="0" cap="none" spc="0" normalizeH="0" baseline="0" noProof="0" dirty="0">
-                <a:ln>
-                  <a:noFill/>
-                </a:ln>
-                <a:solidFill>
-                  <a:prstClr val="black"/>
-                </a:solidFill>
-                <a:effectLst/>
-                <a:uLnTx/>
-                <a:uFillTx/>
-              </a:endParaRPr>
-            </a:p>
-          </p:txBody>
-        </p:sp>
-        <p:pic>
-          <p:nvPicPr>
-            <p:cNvPr id="12" name="Picture 11" descr="Icon&#10;&#10;Description automatically generated">
-              <a:extLst>
-                <a:ext uri="{FF2B5EF4-FFF2-40B4-BE49-F238E27FC236}">
-                  <a16:creationId xmlns:a16="http://schemas.microsoft.com/office/drawing/2014/main" id="{C3A87B84-B481-4A71-AC5E-18443239CF7A}"/>
-                </a:ext>
-              </a:extLst>
-            </p:cNvPr>
-            <p:cNvPicPr>
-              <a:picLocks noChangeAspect="1"/>
-            </p:cNvPicPr>
-            <p:nvPr/>
-          </p:nvPicPr>
-          <p:blipFill>
-            <a:blip r:embed="rId4" cstate="print">
-              <a:extLst>
-                <a:ext uri="{28A0092B-C50C-407E-A947-70E740481C1C}">
-                  <a14:useLocalDpi xmlns:a14="http://schemas.microsoft.com/office/drawing/2010/main" val="0"/>
-                </a:ext>
-              </a:extLst>
-            </a:blip>
-            <a:stretch>
-              <a:fillRect/>
-            </a:stretch>
-          </p:blipFill>
-          <p:spPr>
-            <a:xfrm>
-              <a:off x="5881666" y="1590687"/>
-              <a:ext cx="180000" cy="180000"/>
-            </a:xfrm>
-            <a:prstGeom prst="rect">
-              <a:avLst/>
-            </a:prstGeom>
-          </p:spPr>
-        </p:pic>
-      </p:grpSp>
-    </p:spTree>
-    <p:extLst>
-      <p:ext uri="{BB962C8B-B14F-4D97-AF65-F5344CB8AC3E}">
-        <p14:creationId xmlns:p14="http://schemas.microsoft.com/office/powerpoint/2010/main" val="1079100749"/>
-      </p:ext>
-    </p:extLst>
-  </p:cSld>
-  <p:clrMapOvr>
-    <a:masterClrMapping/>
-  </p:clrMapOvr>
-</p:sld>
-</file>
-
-<file path=ppt/slides/slide8.xml><?xml version="1.0" encoding="utf-8"?>
 <p:sld xmlns:a="http://schemas.openxmlformats.org/drawingml/2006/main" xmlns:r="http://schemas.openxmlformats.org/officeDocument/2006/relationships" xmlns:p="http://schemas.openxmlformats.org/presentationml/2006/main">
   <p:cSld>
     <p:bg>
